--- a/ppt/15_例外處理.pptx
+++ b/ppt/15_例外處理.pptx
@@ -113,6 +113,11 @@
       </a:defRPr>
     </a:lvl9pPr>
   </p:defaultTextStyle>
+  <p:extLst>
+    <p:ext uri="{EFAFB233-063F-42B5-8137-9DF3F51BA10A}">
+      <p15:sldGuideLst xmlns:p15="http://schemas.microsoft.com/office/powerpoint/2012/main"/>
+    </p:ext>
+  </p:extLst>
 </p:presentation>
 </file>
 
@@ -1911,8 +1916,8 @@
         </p:nvSpPr>
         <p:spPr>
           <a:xfrm>
-            <a:off x="838200" y="0"/>
-            <a:ext cx="10515600" cy="1325563"/>
+            <a:off x="289101" y="1065853"/>
+            <a:ext cx="5343396" cy="1325563"/>
           </a:xfrm>
         </p:spPr>
         <p:txBody>
@@ -1929,10 +1934,10 @@
       </p:sp>
       <p:grpSp>
         <p:nvGrpSpPr>
-          <p:cNvPr id="14" name="群組 13">
+          <p:cNvPr id="9" name="群組 8">
             <a:extLst>
               <a:ext uri="{FF2B5EF4-FFF2-40B4-BE49-F238E27FC236}">
-                <a16:creationId xmlns:a16="http://schemas.microsoft.com/office/drawing/2014/main" id="{B0531B60-45CD-416A-9A5C-891B2C1A9959}"/>
+                <a16:creationId xmlns:a16="http://schemas.microsoft.com/office/drawing/2014/main" id="{CB78C8B8-B5D8-4456-B96B-C9177A0173DC}"/>
               </a:ext>
             </a:extLst>
           </p:cNvPr>
@@ -1941,18 +1946,18 @@
         </p:nvGrpSpPr>
         <p:grpSpPr>
           <a:xfrm>
-            <a:off x="242197" y="1029868"/>
-            <a:ext cx="7463903" cy="4893647"/>
-            <a:chOff x="242197" y="1029868"/>
-            <a:chExt cx="7463903" cy="4893647"/>
+            <a:off x="5632497" y="528306"/>
+            <a:ext cx="6285695" cy="5693866"/>
+            <a:chOff x="237897" y="888396"/>
+            <a:chExt cx="6285695" cy="5693866"/>
           </a:xfrm>
         </p:grpSpPr>
         <p:sp>
           <p:nvSpPr>
-            <p:cNvPr id="11" name="Rectangle 2">
+            <p:cNvPr id="8" name="Rectangle 3">
               <a:extLst>
                 <a:ext uri="{FF2B5EF4-FFF2-40B4-BE49-F238E27FC236}">
-                  <a16:creationId xmlns:a16="http://schemas.microsoft.com/office/drawing/2014/main" id="{4D31E92D-3499-42AE-831C-A41AAD09FE6C}"/>
+                  <a16:creationId xmlns:a16="http://schemas.microsoft.com/office/drawing/2014/main" id="{A3F907C4-7379-4636-9432-E51C3B1D14E7}"/>
                 </a:ext>
               </a:extLst>
             </p:cNvPr>
@@ -1963,8 +1968,8 @@
           </p:nvSpPr>
           <p:spPr bwMode="auto">
             <a:xfrm>
-              <a:off x="242197" y="1029868"/>
-              <a:ext cx="7463903" cy="4893647"/>
+              <a:off x="237897" y="888396"/>
+              <a:ext cx="6285695" cy="5693866"/>
             </a:xfrm>
             <a:prstGeom prst="rect">
               <a:avLst/>
@@ -2024,21 +2029,7 @@
                 <a:tabLst/>
               </a:pPr>
               <a:r>
-                <a:rPr kumimoji="0" lang="zh-TW" altLang="zh-TW" sz="1200" b="0" i="0" u="none" strike="noStrike" cap="none" normalizeH="0" baseline="0">
-                  <a:ln>
-                    <a:noFill/>
-                  </a:ln>
-                  <a:solidFill>
-                    <a:srgbClr val="BCBEC4"/>
-                  </a:solidFill>
-                  <a:effectLst/>
-                  <a:latin typeface="+mj-lt"/>
-                  <a:cs typeface="JetBrains Mono" panose="02000009000000000000" pitchFamily="49" charset="0"/>
-                </a:rPr>
-                <a:t>01    </a:t>
-              </a:r>
-              <a:r>
-                <a:rPr kumimoji="0" lang="zh-TW" altLang="zh-TW" sz="1200" b="0" i="0" u="none" strike="noStrike" cap="none" normalizeH="0" baseline="0">
+                <a:rPr kumimoji="0" lang="zh-TW" altLang="zh-TW" sz="1300" b="0" i="0" u="none" strike="noStrike" cap="none" normalizeH="0" baseline="0">
                   <a:ln>
                     <a:noFill/>
                   </a:ln>
@@ -2052,7 +2043,7 @@
                 <a:t>import </a:t>
               </a:r>
               <a:r>
-                <a:rPr kumimoji="0" lang="zh-TW" altLang="zh-TW" sz="1200" b="0" i="0" u="none" strike="noStrike" cap="none" normalizeH="0" baseline="0">
+                <a:rPr kumimoji="0" lang="zh-TW" altLang="zh-TW" sz="1300" b="0" i="0" u="none" strike="noStrike" cap="none" normalizeH="0" baseline="0">
                   <a:ln>
                     <a:noFill/>
                   </a:ln>
@@ -2066,7 +2057,7 @@
                 <a:t>java.util.Scanner;</a:t>
               </a:r>
               <a:br>
-                <a:rPr kumimoji="0" lang="zh-TW" altLang="zh-TW" sz="1200" b="0" i="0" u="none" strike="noStrike" cap="none" normalizeH="0" baseline="0">
+                <a:rPr kumimoji="0" lang="zh-TW" altLang="zh-TW" sz="1300" b="0" i="0" u="none" strike="noStrike" cap="none" normalizeH="0" baseline="0">
                   <a:ln>
                     <a:noFill/>
                   </a:ln>
@@ -2078,22 +2069,8 @@
                   <a:cs typeface="JetBrains Mono" panose="02000009000000000000" pitchFamily="49" charset="0"/>
                 </a:rPr>
               </a:br>
-              <a:r>
-                <a:rPr kumimoji="0" lang="zh-TW" altLang="zh-TW" sz="1200" b="0" i="0" u="none" strike="noStrike" cap="none" normalizeH="0" baseline="0">
-                  <a:ln>
-                    <a:noFill/>
-                  </a:ln>
-                  <a:solidFill>
-                    <a:srgbClr val="BCBEC4"/>
-                  </a:solidFill>
-                  <a:effectLst/>
-                  <a:latin typeface="+mj-lt"/>
-                  <a:cs typeface="JetBrains Mono" panose="02000009000000000000" pitchFamily="49" charset="0"/>
-                </a:rPr>
-                <a:t>02    </a:t>
-              </a:r>
               <a:br>
-                <a:rPr kumimoji="0" lang="zh-TW" altLang="zh-TW" sz="1200" b="0" i="0" u="none" strike="noStrike" cap="none" normalizeH="0" baseline="0">
+                <a:rPr kumimoji="0" lang="zh-TW" altLang="zh-TW" sz="1300" b="0" i="0" u="none" strike="noStrike" cap="none" normalizeH="0" baseline="0">
                   <a:ln>
                     <a:noFill/>
                   </a:ln>
@@ -2106,21 +2083,7 @@
                 </a:rPr>
               </a:br>
               <a:r>
-                <a:rPr kumimoji="0" lang="zh-TW" altLang="zh-TW" sz="1200" b="0" i="0" u="none" strike="noStrike" cap="none" normalizeH="0" baseline="0">
-                  <a:ln>
-                    <a:noFill/>
-                  </a:ln>
-                  <a:solidFill>
-                    <a:srgbClr val="BCBEC4"/>
-                  </a:solidFill>
-                  <a:effectLst/>
-                  <a:latin typeface="+mj-lt"/>
-                  <a:cs typeface="JetBrains Mono" panose="02000009000000000000" pitchFamily="49" charset="0"/>
-                </a:rPr>
-                <a:t>03    </a:t>
-              </a:r>
-              <a:r>
-                <a:rPr kumimoji="0" lang="zh-TW" altLang="zh-TW" sz="1200" b="0" i="0" u="none" strike="noStrike" cap="none" normalizeH="0" baseline="0">
+                <a:rPr kumimoji="0" lang="zh-TW" altLang="zh-TW" sz="1300" b="0" i="0" u="none" strike="noStrike" cap="none" normalizeH="0" baseline="0">
                   <a:ln>
                     <a:noFill/>
                   </a:ln>
@@ -2134,7 +2097,7 @@
                 <a:t>public class </a:t>
               </a:r>
               <a:r>
-                <a:rPr kumimoji="0" lang="zh-TW" altLang="zh-TW" sz="1200" b="0" i="0" u="none" strike="noStrike" cap="none" normalizeH="0" baseline="0">
+                <a:rPr kumimoji="0" lang="zh-TW" altLang="zh-TW" sz="1300" b="0" i="0" u="none" strike="noStrike" cap="none" normalizeH="0" baseline="0">
                   <a:ln>
                     <a:noFill/>
                   </a:ln>
@@ -2148,7 +2111,7 @@
                 <a:t>Main3 {</a:t>
               </a:r>
               <a:br>
-                <a:rPr kumimoji="0" lang="zh-TW" altLang="zh-TW" sz="1200" b="0" i="0" u="none" strike="noStrike" cap="none" normalizeH="0" baseline="0">
+                <a:rPr kumimoji="0" lang="zh-TW" altLang="zh-TW" sz="1300" b="0" i="0" u="none" strike="noStrike" cap="none" normalizeH="0" baseline="0">
                   <a:ln>
                     <a:noFill/>
                   </a:ln>
@@ -2161,21 +2124,21 @@
                 </a:rPr>
               </a:br>
               <a:r>
-                <a:rPr kumimoji="0" lang="zh-TW" altLang="zh-TW" sz="1200" b="0" i="0" u="none" strike="noStrike" cap="none" normalizeH="0" baseline="0">
-                  <a:ln>
-                    <a:noFill/>
-                  </a:ln>
-                  <a:solidFill>
-                    <a:srgbClr val="BCBEC4"/>
-                  </a:solidFill>
-                  <a:effectLst/>
-                  <a:latin typeface="+mj-lt"/>
-                  <a:cs typeface="JetBrains Mono" panose="02000009000000000000" pitchFamily="49" charset="0"/>
-                </a:rPr>
-                <a:t>04        </a:t>
-              </a:r>
-              <a:r>
-                <a:rPr kumimoji="0" lang="zh-TW" altLang="zh-TW" sz="1200" b="0" i="0" u="none" strike="noStrike" cap="none" normalizeH="0" baseline="0">
+                <a:rPr kumimoji="0" lang="zh-TW" altLang="zh-TW" sz="1300" b="0" i="0" u="none" strike="noStrike" cap="none" normalizeH="0" baseline="0">
+                  <a:ln>
+                    <a:noFill/>
+                  </a:ln>
+                  <a:solidFill>
+                    <a:srgbClr val="BCBEC4"/>
+                  </a:solidFill>
+                  <a:effectLst/>
+                  <a:latin typeface="+mj-lt"/>
+                  <a:cs typeface="JetBrains Mono" panose="02000009000000000000" pitchFamily="49" charset="0"/>
+                </a:rPr>
+                <a:t>    </a:t>
+              </a:r>
+              <a:r>
+                <a:rPr kumimoji="0" lang="zh-TW" altLang="zh-TW" sz="1300" b="0" i="0" u="none" strike="noStrike" cap="none" normalizeH="0" baseline="0">
                   <a:ln>
                     <a:noFill/>
                   </a:ln>
@@ -2189,7 +2152,7 @@
                 <a:t>public static void </a:t>
               </a:r>
               <a:r>
-                <a:rPr kumimoji="0" lang="zh-TW" altLang="zh-TW" sz="1200" b="0" i="0" u="none" strike="noStrike" cap="none" normalizeH="0" baseline="0">
+                <a:rPr kumimoji="0" lang="zh-TW" altLang="zh-TW" sz="1300" b="0" i="0" u="none" strike="noStrike" cap="none" normalizeH="0" baseline="0">
                   <a:ln>
                     <a:noFill/>
                   </a:ln>
@@ -2203,7 +2166,7 @@
                 <a:t>main</a:t>
               </a:r>
               <a:r>
-                <a:rPr kumimoji="0" lang="zh-TW" altLang="zh-TW" sz="1200" b="0" i="0" u="none" strike="noStrike" cap="none" normalizeH="0" baseline="0">
+                <a:rPr kumimoji="0" lang="zh-TW" altLang="zh-TW" sz="1300" b="0" i="0" u="none" strike="noStrike" cap="none" normalizeH="0" baseline="0">
                   <a:ln>
                     <a:noFill/>
                   </a:ln>
@@ -2217,7 +2180,7 @@
                 <a:t>(String[] args) {</a:t>
               </a:r>
               <a:br>
-                <a:rPr kumimoji="0" lang="zh-TW" altLang="zh-TW" sz="1200" b="0" i="0" u="none" strike="noStrike" cap="none" normalizeH="0" baseline="0">
+                <a:rPr kumimoji="0" lang="zh-TW" altLang="zh-TW" sz="1300" b="0" i="0" u="none" strike="noStrike" cap="none" normalizeH="0" baseline="0">
                   <a:ln>
                     <a:noFill/>
                   </a:ln>
@@ -2230,21 +2193,21 @@
                 </a:rPr>
               </a:br>
               <a:r>
-                <a:rPr kumimoji="0" lang="zh-TW" altLang="zh-TW" sz="1200" b="0" i="0" u="none" strike="noStrike" cap="none" normalizeH="0" baseline="0">
-                  <a:ln>
-                    <a:noFill/>
-                  </a:ln>
-                  <a:solidFill>
-                    <a:srgbClr val="BCBEC4"/>
-                  </a:solidFill>
-                  <a:effectLst/>
-                  <a:latin typeface="+mj-lt"/>
-                  <a:cs typeface="JetBrains Mono" panose="02000009000000000000" pitchFamily="49" charset="0"/>
-                </a:rPr>
-                <a:t>05            Scanner scanner = </a:t>
-              </a:r>
-              <a:r>
-                <a:rPr kumimoji="0" lang="zh-TW" altLang="zh-TW" sz="1200" b="0" i="0" u="none" strike="noStrike" cap="none" normalizeH="0" baseline="0">
+                <a:rPr kumimoji="0" lang="zh-TW" altLang="zh-TW" sz="1300" b="0" i="0" u="none" strike="noStrike" cap="none" normalizeH="0" baseline="0">
+                  <a:ln>
+                    <a:noFill/>
+                  </a:ln>
+                  <a:solidFill>
+                    <a:srgbClr val="BCBEC4"/>
+                  </a:solidFill>
+                  <a:effectLst/>
+                  <a:latin typeface="+mj-lt"/>
+                  <a:cs typeface="JetBrains Mono" panose="02000009000000000000" pitchFamily="49" charset="0"/>
+                </a:rPr>
+                <a:t>        Scanner scanner = </a:t>
+              </a:r>
+              <a:r>
+                <a:rPr kumimoji="0" lang="zh-TW" altLang="zh-TW" sz="1300" b="0" i="0" u="none" strike="noStrike" cap="none" normalizeH="0" baseline="0">
                   <a:ln>
                     <a:noFill/>
                   </a:ln>
@@ -2258,7 +2221,7 @@
                 <a:t>new </a:t>
               </a:r>
               <a:r>
-                <a:rPr kumimoji="0" lang="zh-TW" altLang="zh-TW" sz="1200" b="0" i="0" u="none" strike="noStrike" cap="none" normalizeH="0" baseline="0">
+                <a:rPr kumimoji="0" lang="zh-TW" altLang="zh-TW" sz="1300" b="0" i="0" u="none" strike="noStrike" cap="none" normalizeH="0" baseline="0">
                   <a:ln>
                     <a:noFill/>
                   </a:ln>
@@ -2272,7 +2235,7 @@
                 <a:t>Scanner(System.</a:t>
               </a:r>
               <a:r>
-                <a:rPr kumimoji="0" lang="zh-TW" altLang="zh-TW" sz="1200" b="0" i="1" u="none" strike="noStrike" cap="none" normalizeH="0" baseline="0">
+                <a:rPr kumimoji="0" lang="zh-TW" altLang="zh-TW" sz="1300" b="0" i="1" u="none" strike="noStrike" cap="none" normalizeH="0" baseline="0">
                   <a:ln>
                     <a:noFill/>
                   </a:ln>
@@ -2286,7 +2249,7 @@
                 <a:t>in</a:t>
               </a:r>
               <a:r>
-                <a:rPr kumimoji="0" lang="zh-TW" altLang="zh-TW" sz="1200" b="0" i="0" u="none" strike="noStrike" cap="none" normalizeH="0" baseline="0">
+                <a:rPr kumimoji="0" lang="zh-TW" altLang="zh-TW" sz="1300" b="0" i="0" u="none" strike="noStrike" cap="none" normalizeH="0" baseline="0">
                   <a:ln>
                     <a:noFill/>
                   </a:ln>
@@ -2300,7 +2263,7 @@
                 <a:t>);</a:t>
               </a:r>
               <a:br>
-                <a:rPr kumimoji="0" lang="zh-TW" altLang="zh-TW" sz="1200" b="0" i="0" u="none" strike="noStrike" cap="none" normalizeH="0" baseline="0">
+                <a:rPr kumimoji="0" lang="zh-TW" altLang="zh-TW" sz="1300" b="0" i="0" u="none" strike="noStrike" cap="none" normalizeH="0" baseline="0">
                   <a:ln>
                     <a:noFill/>
                   </a:ln>
@@ -2313,21 +2276,21 @@
                 </a:rPr>
               </a:br>
               <a:r>
-                <a:rPr kumimoji="0" lang="zh-TW" altLang="zh-TW" sz="1200" b="0" i="0" u="none" strike="noStrike" cap="none" normalizeH="0" baseline="0">
-                  <a:ln>
-                    <a:noFill/>
-                  </a:ln>
-                  <a:solidFill>
-                    <a:srgbClr val="BCBEC4"/>
-                  </a:solidFill>
-                  <a:effectLst/>
-                  <a:latin typeface="+mj-lt"/>
-                  <a:cs typeface="JetBrains Mono" panose="02000009000000000000" pitchFamily="49" charset="0"/>
-                </a:rPr>
-                <a:t>06            String[] strings = scanner.nextLine().split(</a:t>
-              </a:r>
-              <a:r>
-                <a:rPr kumimoji="0" lang="zh-TW" altLang="zh-TW" sz="1200" b="0" i="0" u="none" strike="noStrike" cap="none" normalizeH="0" baseline="0">
+                <a:rPr kumimoji="0" lang="zh-TW" altLang="zh-TW" sz="1300" b="0" i="0" u="none" strike="noStrike" cap="none" normalizeH="0" baseline="0">
+                  <a:ln>
+                    <a:noFill/>
+                  </a:ln>
+                  <a:solidFill>
+                    <a:srgbClr val="BCBEC4"/>
+                  </a:solidFill>
+                  <a:effectLst/>
+                  <a:latin typeface="+mj-lt"/>
+                  <a:cs typeface="JetBrains Mono" panose="02000009000000000000" pitchFamily="49" charset="0"/>
+                </a:rPr>
+                <a:t>        String[] strings = scanner.nextLine().split(</a:t>
+              </a:r>
+              <a:r>
+                <a:rPr kumimoji="0" lang="zh-TW" altLang="zh-TW" sz="1300" b="0" i="0" u="none" strike="noStrike" cap="none" normalizeH="0" baseline="0">
                   <a:ln>
                     <a:noFill/>
                   </a:ln>
@@ -2341,7 +2304,7 @@
                 <a:t>" "</a:t>
               </a:r>
               <a:r>
-                <a:rPr kumimoji="0" lang="zh-TW" altLang="zh-TW" sz="1200" b="0" i="0" u="none" strike="noStrike" cap="none" normalizeH="0" baseline="0">
+                <a:rPr kumimoji="0" lang="zh-TW" altLang="zh-TW" sz="1300" b="0" i="0" u="none" strike="noStrike" cap="none" normalizeH="0" baseline="0">
                   <a:ln>
                     <a:noFill/>
                   </a:ln>
@@ -2355,7 +2318,7 @@
                 <a:t>);</a:t>
               </a:r>
               <a:br>
-                <a:rPr kumimoji="0" lang="zh-TW" altLang="zh-TW" sz="1200" b="0" i="0" u="none" strike="noStrike" cap="none" normalizeH="0" baseline="0">
+                <a:rPr kumimoji="0" lang="zh-TW" altLang="zh-TW" sz="1300" b="0" i="0" u="none" strike="noStrike" cap="none" normalizeH="0" baseline="0">
                   <a:ln>
                     <a:noFill/>
                   </a:ln>
@@ -2368,21 +2331,21 @@
                 </a:rPr>
               </a:br>
               <a:r>
-                <a:rPr kumimoji="0" lang="zh-TW" altLang="zh-TW" sz="1200" b="0" i="0" u="none" strike="noStrike" cap="none" normalizeH="0" baseline="0">
-                  <a:ln>
-                    <a:noFill/>
-                  </a:ln>
-                  <a:solidFill>
-                    <a:srgbClr val="BCBEC4"/>
-                  </a:solidFill>
-                  <a:effectLst/>
-                  <a:latin typeface="+mj-lt"/>
-                  <a:cs typeface="JetBrains Mono" panose="02000009000000000000" pitchFamily="49" charset="0"/>
-                </a:rPr>
-                <a:t>07            </a:t>
-              </a:r>
-              <a:r>
-                <a:rPr kumimoji="0" lang="zh-TW" altLang="zh-TW" sz="1200" b="0" i="0" u="none" strike="noStrike" cap="none" normalizeH="0" baseline="0">
+                <a:rPr kumimoji="0" lang="zh-TW" altLang="zh-TW" sz="1300" b="0" i="0" u="none" strike="noStrike" cap="none" normalizeH="0" baseline="0">
+                  <a:ln>
+                    <a:noFill/>
+                  </a:ln>
+                  <a:solidFill>
+                    <a:srgbClr val="BCBEC4"/>
+                  </a:solidFill>
+                  <a:effectLst/>
+                  <a:latin typeface="+mj-lt"/>
+                  <a:cs typeface="JetBrains Mono" panose="02000009000000000000" pitchFamily="49" charset="0"/>
+                </a:rPr>
+                <a:t>        </a:t>
+              </a:r>
+              <a:r>
+                <a:rPr kumimoji="0" lang="zh-TW" altLang="zh-TW" sz="1300" b="0" i="0" u="none" strike="noStrike" cap="none" normalizeH="0" baseline="0">
                   <a:ln>
                     <a:noFill/>
                   </a:ln>
@@ -2396,7 +2359,7 @@
                 <a:t>while </a:t>
               </a:r>
               <a:r>
-                <a:rPr kumimoji="0" lang="zh-TW" altLang="zh-TW" sz="1200" b="0" i="0" u="none" strike="noStrike" cap="none" normalizeH="0" baseline="0">
+                <a:rPr kumimoji="0" lang="zh-TW" altLang="zh-TW" sz="1300" b="0" i="0" u="none" strike="noStrike" cap="none" normalizeH="0" baseline="0">
                   <a:ln>
                     <a:noFill/>
                   </a:ln>
@@ -2410,7 +2373,7 @@
                 <a:t>(scanner.hasNextInt()) {</a:t>
               </a:r>
               <a:br>
-                <a:rPr kumimoji="0" lang="zh-TW" altLang="zh-TW" sz="1200" b="0" i="0" u="none" strike="noStrike" cap="none" normalizeH="0" baseline="0">
+                <a:rPr kumimoji="0" lang="zh-TW" altLang="zh-TW" sz="1300" b="0" i="0" u="none" strike="noStrike" cap="none" normalizeH="0" baseline="0">
                   <a:ln>
                     <a:noFill/>
                   </a:ln>
@@ -2423,21 +2386,21 @@
                 </a:rPr>
               </a:br>
               <a:r>
-                <a:rPr kumimoji="0" lang="zh-TW" altLang="zh-TW" sz="1200" b="0" i="0" u="none" strike="noStrike" cap="none" normalizeH="0" baseline="0">
-                  <a:ln>
-                    <a:noFill/>
-                  </a:ln>
-                  <a:solidFill>
-                    <a:srgbClr val="BCBEC4"/>
-                  </a:solidFill>
-                  <a:effectLst/>
-                  <a:latin typeface="+mj-lt"/>
-                  <a:cs typeface="JetBrains Mono" panose="02000009000000000000" pitchFamily="49" charset="0"/>
-                </a:rPr>
-                <a:t>08                </a:t>
-              </a:r>
-              <a:r>
-                <a:rPr kumimoji="0" lang="zh-TW" altLang="zh-TW" sz="1200" b="0" i="0" u="none" strike="noStrike" cap="none" normalizeH="0" baseline="0">
+                <a:rPr kumimoji="0" lang="zh-TW" altLang="zh-TW" sz="1300" b="0" i="0" u="none" strike="noStrike" cap="none" normalizeH="0" baseline="0">
+                  <a:ln>
+                    <a:noFill/>
+                  </a:ln>
+                  <a:solidFill>
+                    <a:srgbClr val="BCBEC4"/>
+                  </a:solidFill>
+                  <a:effectLst/>
+                  <a:latin typeface="+mj-lt"/>
+                  <a:cs typeface="JetBrains Mono" panose="02000009000000000000" pitchFamily="49" charset="0"/>
+                </a:rPr>
+                <a:t>            </a:t>
+              </a:r>
+              <a:r>
+                <a:rPr kumimoji="0" lang="zh-TW" altLang="zh-TW" sz="1300" b="0" i="0" u="none" strike="noStrike" cap="none" normalizeH="0" baseline="0">
                   <a:ln>
                     <a:noFill/>
                   </a:ln>
@@ -2451,7 +2414,7 @@
                 <a:t>int </a:t>
               </a:r>
               <a:r>
-                <a:rPr kumimoji="0" lang="zh-TW" altLang="zh-TW" sz="1200" b="0" i="0" u="none" strike="noStrike" cap="none" normalizeH="0" baseline="0">
+                <a:rPr kumimoji="0" lang="zh-TW" altLang="zh-TW" sz="1300" b="0" i="0" u="none" strike="noStrike" cap="none" normalizeH="0" baseline="0">
                   <a:ln>
                     <a:noFill/>
                   </a:ln>
@@ -2465,7 +2428,7 @@
                 <a:t>index = scanner.nextInt();</a:t>
               </a:r>
               <a:br>
-                <a:rPr kumimoji="0" lang="zh-TW" altLang="zh-TW" sz="1200" b="0" i="0" u="none" strike="noStrike" cap="none" normalizeH="0" baseline="0">
+                <a:rPr kumimoji="0" lang="zh-TW" altLang="zh-TW" sz="1300" b="0" i="0" u="none" strike="noStrike" cap="none" normalizeH="0" baseline="0">
                   <a:ln>
                     <a:noFill/>
                   </a:ln>
@@ -2478,21 +2441,21 @@
                 </a:rPr>
               </a:br>
               <a:r>
-                <a:rPr kumimoji="0" lang="zh-TW" altLang="zh-TW" sz="1200" b="0" i="0" u="none" strike="noStrike" cap="none" normalizeH="0" baseline="0">
-                  <a:ln>
-                    <a:noFill/>
-                  </a:ln>
-                  <a:solidFill>
-                    <a:srgbClr val="BCBEC4"/>
-                  </a:solidFill>
-                  <a:effectLst/>
-                  <a:latin typeface="+mj-lt"/>
-                  <a:cs typeface="JetBrains Mono" panose="02000009000000000000" pitchFamily="49" charset="0"/>
-                </a:rPr>
-                <a:t>09                </a:t>
-              </a:r>
-              <a:r>
-                <a:rPr kumimoji="0" lang="zh-TW" altLang="zh-TW" sz="1200" b="0" i="0" u="none" strike="noStrike" cap="none" normalizeH="0" baseline="0">
+                <a:rPr kumimoji="0" lang="zh-TW" altLang="zh-TW" sz="1300" b="0" i="0" u="none" strike="noStrike" cap="none" normalizeH="0" baseline="0">
+                  <a:ln>
+                    <a:noFill/>
+                  </a:ln>
+                  <a:solidFill>
+                    <a:srgbClr val="BCBEC4"/>
+                  </a:solidFill>
+                  <a:effectLst/>
+                  <a:latin typeface="+mj-lt"/>
+                  <a:cs typeface="JetBrains Mono" panose="02000009000000000000" pitchFamily="49" charset="0"/>
+                </a:rPr>
+                <a:t>            </a:t>
+              </a:r>
+              <a:r>
+                <a:rPr kumimoji="0" lang="zh-TW" altLang="zh-TW" sz="1300" b="0" i="0" u="none" strike="noStrike" cap="none" normalizeH="0" baseline="0">
                   <a:ln>
                     <a:noFill/>
                   </a:ln>
@@ -2506,7 +2469,7 @@
                 <a:t>try </a:t>
               </a:r>
               <a:r>
-                <a:rPr kumimoji="0" lang="zh-TW" altLang="zh-TW" sz="1200" b="0" i="0" u="none" strike="noStrike" cap="none" normalizeH="0" baseline="0">
+                <a:rPr kumimoji="0" lang="zh-TW" altLang="zh-TW" sz="1300" b="0" i="0" u="none" strike="noStrike" cap="none" normalizeH="0" baseline="0">
                   <a:ln>
                     <a:noFill/>
                   </a:ln>
@@ -2520,7 +2483,7 @@
                 <a:t>{</a:t>
               </a:r>
               <a:br>
-                <a:rPr kumimoji="0" lang="zh-TW" altLang="zh-TW" sz="1200" b="0" i="0" u="none" strike="noStrike" cap="none" normalizeH="0" baseline="0">
+                <a:rPr kumimoji="0" lang="zh-TW" altLang="zh-TW" sz="1300" b="0" i="0" u="none" strike="noStrike" cap="none" normalizeH="0" baseline="0">
                   <a:ln>
                     <a:noFill/>
                   </a:ln>
@@ -2533,21 +2496,21 @@
                 </a:rPr>
               </a:br>
               <a:r>
-                <a:rPr kumimoji="0" lang="zh-TW" altLang="zh-TW" sz="1200" b="0" i="0" u="none" strike="noStrike" cap="none" normalizeH="0" baseline="0">
-                  <a:ln>
-                    <a:noFill/>
-                  </a:ln>
-                  <a:solidFill>
-                    <a:srgbClr val="BCBEC4"/>
-                  </a:solidFill>
-                  <a:effectLst/>
-                  <a:latin typeface="+mj-lt"/>
-                  <a:cs typeface="JetBrains Mono" panose="02000009000000000000" pitchFamily="49" charset="0"/>
-                </a:rPr>
-                <a:t>10                    </a:t>
-              </a:r>
-              <a:r>
-                <a:rPr kumimoji="0" lang="zh-TW" altLang="zh-TW" sz="1200" b="0" i="1" u="none" strike="noStrike" cap="none" normalizeH="0" baseline="0">
+                <a:rPr kumimoji="0" lang="zh-TW" altLang="zh-TW" sz="1300" b="0" i="0" u="none" strike="noStrike" cap="none" normalizeH="0" baseline="0">
+                  <a:ln>
+                    <a:noFill/>
+                  </a:ln>
+                  <a:solidFill>
+                    <a:srgbClr val="BCBEC4"/>
+                  </a:solidFill>
+                  <a:effectLst/>
+                  <a:latin typeface="+mj-lt"/>
+                  <a:cs typeface="JetBrains Mono" panose="02000009000000000000" pitchFamily="49" charset="0"/>
+                </a:rPr>
+                <a:t>                </a:t>
+              </a:r>
+              <a:r>
+                <a:rPr kumimoji="0" lang="zh-TW" altLang="zh-TW" sz="1300" b="0" i="1" u="none" strike="noStrike" cap="none" normalizeH="0" baseline="0">
                   <a:ln>
                     <a:noFill/>
                   </a:ln>
@@ -2561,7 +2524,7 @@
                 <a:t>printElement</a:t>
               </a:r>
               <a:r>
-                <a:rPr kumimoji="0" lang="zh-TW" altLang="zh-TW" sz="1200" b="0" i="0" u="none" strike="noStrike" cap="none" normalizeH="0" baseline="0">
+                <a:rPr kumimoji="0" lang="zh-TW" altLang="zh-TW" sz="1300" b="0" i="0" u="none" strike="noStrike" cap="none" normalizeH="0" baseline="0">
                   <a:ln>
                     <a:noFill/>
                   </a:ln>
@@ -2575,7 +2538,7 @@
                 <a:t>(strings, index);</a:t>
               </a:r>
               <a:br>
-                <a:rPr kumimoji="0" lang="zh-TW" altLang="zh-TW" sz="1200" b="0" i="0" u="none" strike="noStrike" cap="none" normalizeH="0" baseline="0">
+                <a:rPr kumimoji="0" lang="zh-TW" altLang="zh-TW" sz="1300" b="0" i="0" u="none" strike="noStrike" cap="none" normalizeH="0" baseline="0">
                   <a:ln>
                     <a:noFill/>
                   </a:ln>
@@ -2588,21 +2551,21 @@
                 </a:rPr>
               </a:br>
               <a:r>
-                <a:rPr kumimoji="0" lang="zh-TW" altLang="zh-TW" sz="1200" b="0" i="0" u="none" strike="noStrike" cap="none" normalizeH="0" baseline="0">
-                  <a:ln>
-                    <a:noFill/>
-                  </a:ln>
-                  <a:solidFill>
-                    <a:srgbClr val="BCBEC4"/>
-                  </a:solidFill>
-                  <a:effectLst/>
-                  <a:latin typeface="+mj-lt"/>
-                  <a:cs typeface="JetBrains Mono" panose="02000009000000000000" pitchFamily="49" charset="0"/>
-                </a:rPr>
-                <a:t>11                } </a:t>
-              </a:r>
-              <a:r>
-                <a:rPr kumimoji="0" lang="zh-TW" altLang="zh-TW" sz="1200" b="0" i="0" u="none" strike="noStrike" cap="none" normalizeH="0" baseline="0">
+                <a:rPr kumimoji="0" lang="zh-TW" altLang="zh-TW" sz="1300" b="0" i="0" u="none" strike="noStrike" cap="none" normalizeH="0" baseline="0">
+                  <a:ln>
+                    <a:noFill/>
+                  </a:ln>
+                  <a:solidFill>
+                    <a:srgbClr val="BCBEC4"/>
+                  </a:solidFill>
+                  <a:effectLst/>
+                  <a:latin typeface="+mj-lt"/>
+                  <a:cs typeface="JetBrains Mono" panose="02000009000000000000" pitchFamily="49" charset="0"/>
+                </a:rPr>
+                <a:t>            } </a:t>
+              </a:r>
+              <a:r>
+                <a:rPr kumimoji="0" lang="zh-TW" altLang="zh-TW" sz="1300" b="0" i="0" u="none" strike="noStrike" cap="none" normalizeH="0" baseline="0">
                   <a:ln>
                     <a:noFill/>
                   </a:ln>
@@ -2616,7 +2579,7 @@
                 <a:t>catch </a:t>
               </a:r>
               <a:r>
-                <a:rPr kumimoji="0" lang="zh-TW" altLang="zh-TW" sz="1200" b="0" i="0" u="none" strike="noStrike" cap="none" normalizeH="0" baseline="0">
+                <a:rPr kumimoji="0" lang="zh-TW" altLang="zh-TW" sz="1300" b="0" i="0" u="none" strike="noStrike" cap="none" normalizeH="0" baseline="0">
                   <a:ln>
                     <a:noFill/>
                   </a:ln>
@@ -2630,7 +2593,7 @@
                 <a:t>(IllegalArgumentException e) {</a:t>
               </a:r>
               <a:br>
-                <a:rPr kumimoji="0" lang="zh-TW" altLang="zh-TW" sz="1200" b="0" i="0" u="none" strike="noStrike" cap="none" normalizeH="0" baseline="0">
+                <a:rPr kumimoji="0" lang="zh-TW" altLang="zh-TW" sz="1300" b="0" i="0" u="none" strike="noStrike" cap="none" normalizeH="0" baseline="0">
                   <a:ln>
                     <a:noFill/>
                   </a:ln>
@@ -2643,21 +2606,21 @@
                 </a:rPr>
               </a:br>
               <a:r>
-                <a:rPr kumimoji="0" lang="zh-TW" altLang="zh-TW" sz="1200" b="0" i="0" u="none" strike="noStrike" cap="none" normalizeH="0" baseline="0">
-                  <a:ln>
-                    <a:noFill/>
-                  </a:ln>
-                  <a:solidFill>
-                    <a:srgbClr val="BCBEC4"/>
-                  </a:solidFill>
-                  <a:effectLst/>
-                  <a:latin typeface="+mj-lt"/>
-                  <a:cs typeface="JetBrains Mono" panose="02000009000000000000" pitchFamily="49" charset="0"/>
-                </a:rPr>
-                <a:t>12                    System.</a:t>
-              </a:r>
-              <a:r>
-                <a:rPr kumimoji="0" lang="zh-TW" altLang="zh-TW" sz="1200" b="0" i="1" u="none" strike="noStrike" cap="none" normalizeH="0" baseline="0">
+                <a:rPr kumimoji="0" lang="zh-TW" altLang="zh-TW" sz="1300" b="0" i="0" u="none" strike="noStrike" cap="none" normalizeH="0" baseline="0">
+                  <a:ln>
+                    <a:noFill/>
+                  </a:ln>
+                  <a:solidFill>
+                    <a:srgbClr val="BCBEC4"/>
+                  </a:solidFill>
+                  <a:effectLst/>
+                  <a:latin typeface="+mj-lt"/>
+                  <a:cs typeface="JetBrains Mono" panose="02000009000000000000" pitchFamily="49" charset="0"/>
+                </a:rPr>
+                <a:t>                System.</a:t>
+              </a:r>
+              <a:r>
+                <a:rPr kumimoji="0" lang="zh-TW" altLang="zh-TW" sz="1300" b="0" i="1" u="none" strike="noStrike" cap="none" normalizeH="0" baseline="0">
                   <a:ln>
                     <a:noFill/>
                   </a:ln>
@@ -2671,7 +2634,7 @@
                 <a:t>out</a:t>
               </a:r>
               <a:r>
-                <a:rPr kumimoji="0" lang="zh-TW" altLang="zh-TW" sz="1200" b="0" i="0" u="none" strike="noStrike" cap="none" normalizeH="0" baseline="0">
+                <a:rPr kumimoji="0" lang="zh-TW" altLang="zh-TW" sz="1300" b="0" i="0" u="none" strike="noStrike" cap="none" normalizeH="0" baseline="0">
                   <a:ln>
                     <a:noFill/>
                   </a:ln>
@@ -2685,7 +2648,7 @@
                 <a:t>.println(</a:t>
               </a:r>
               <a:r>
-                <a:rPr kumimoji="0" lang="zh-TW" altLang="zh-TW" sz="1200" b="0" i="0" u="none" strike="noStrike" cap="none" normalizeH="0" baseline="0">
+                <a:rPr kumimoji="0" lang="zh-TW" altLang="zh-TW" sz="1300" b="0" i="0" u="none" strike="noStrike" cap="none" normalizeH="0" baseline="0">
                   <a:ln>
                     <a:noFill/>
                   </a:ln>
@@ -2699,7 +2662,7 @@
                 <a:t>"</a:t>
               </a:r>
               <a:r>
-                <a:rPr kumimoji="0" lang="zh-TW" altLang="zh-TW" sz="1200" b="0" i="0" u="none" strike="noStrike" cap="none" normalizeH="0" baseline="0">
+                <a:rPr kumimoji="0" lang="zh-TW" altLang="zh-TW" sz="1300" b="0" i="0" u="none" strike="noStrike" cap="none" normalizeH="0" baseline="0">
                   <a:ln>
                     <a:noFill/>
                   </a:ln>
@@ -2714,7 +2677,7 @@
                 <a:t>錯誤訊息：</a:t>
               </a:r>
               <a:r>
-                <a:rPr kumimoji="0" lang="zh-TW" altLang="zh-TW" sz="1200" b="0" i="0" u="none" strike="noStrike" cap="none" normalizeH="0" baseline="0">
+                <a:rPr kumimoji="0" lang="zh-TW" altLang="zh-TW" sz="1300" b="0" i="0" u="none" strike="noStrike" cap="none" normalizeH="0" baseline="0">
                   <a:ln>
                     <a:noFill/>
                   </a:ln>
@@ -2728,21 +2691,21 @@
                 <a:t>" </a:t>
               </a:r>
               <a:r>
-                <a:rPr kumimoji="0" lang="zh-TW" altLang="zh-TW" sz="1200" b="0" i="0" u="none" strike="noStrike" cap="none" normalizeH="0" baseline="0">
-                  <a:ln>
-                    <a:noFill/>
-                  </a:ln>
-                  <a:solidFill>
-                    <a:srgbClr val="BCBEC4"/>
-                  </a:solidFill>
-                  <a:effectLst/>
-                  <a:latin typeface="+mj-lt"/>
-                  <a:cs typeface="JetBrains Mono" panose="02000009000000000000" pitchFamily="49" charset="0"/>
-                </a:rPr>
-                <a:t>+ e.getMessage());</a:t>
+                <a:rPr kumimoji="0" lang="zh-TW" altLang="zh-TW" sz="1300" b="0" i="0" u="none" strike="noStrike" cap="none" normalizeH="0" baseline="0">
+                  <a:ln>
+                    <a:noFill/>
+                  </a:ln>
+                  <a:solidFill>
+                    <a:srgbClr val="BCBEC4"/>
+                  </a:solidFill>
+                  <a:effectLst/>
+                  <a:latin typeface="+mj-lt"/>
+                  <a:cs typeface="JetBrains Mono" panose="02000009000000000000" pitchFamily="49" charset="0"/>
+                </a:rPr>
+                <a:t>+</a:t>
               </a:r>
               <a:br>
-                <a:rPr kumimoji="0" lang="zh-TW" altLang="zh-TW" sz="1200" b="0" i="0" u="none" strike="noStrike" cap="none" normalizeH="0" baseline="0">
+                <a:rPr kumimoji="0" lang="zh-TW" altLang="zh-TW" sz="1300" b="0" i="0" u="none" strike="noStrike" cap="none" normalizeH="0" baseline="0">
                   <a:ln>
                     <a:noFill/>
                   </a:ln>
@@ -2755,21 +2718,48 @@
                 </a:rPr>
               </a:br>
               <a:r>
-                <a:rPr kumimoji="0" lang="zh-TW" altLang="zh-TW" sz="1200" b="0" i="0" u="none" strike="noStrike" cap="none" normalizeH="0" baseline="0">
-                  <a:ln>
-                    <a:noFill/>
-                  </a:ln>
-                  <a:solidFill>
-                    <a:srgbClr val="BCBEC4"/>
-                  </a:solidFill>
-                  <a:effectLst/>
-                  <a:latin typeface="+mj-lt"/>
-                  <a:cs typeface="JetBrains Mono" panose="02000009000000000000" pitchFamily="49" charset="0"/>
-                </a:rPr>
-                <a:t>13                    System.</a:t>
-              </a:r>
-              <a:r>
-                <a:rPr kumimoji="0" lang="zh-TW" altLang="zh-TW" sz="1200" b="0" i="1" u="none" strike="noStrike" cap="none" normalizeH="0" baseline="0">
+                <a:rPr kumimoji="0" lang="zh-TW" altLang="zh-TW" sz="1300" b="0" i="0" u="none" strike="noStrike" cap="none" normalizeH="0" baseline="0">
+                  <a:ln>
+                    <a:noFill/>
+                  </a:ln>
+                  <a:solidFill>
+                    <a:srgbClr val="BCBEC4"/>
+                  </a:solidFill>
+                  <a:effectLst/>
+                  <a:latin typeface="+mj-lt"/>
+                  <a:cs typeface="JetBrains Mono" panose="02000009000000000000" pitchFamily="49" charset="0"/>
+                </a:rPr>
+                <a:t>                        e.getMessage());</a:t>
+              </a:r>
+              <a:br>
+                <a:rPr kumimoji="0" lang="zh-TW" altLang="zh-TW" sz="1300" b="0" i="0" u="none" strike="noStrike" cap="none" normalizeH="0" baseline="0">
+                  <a:ln>
+                    <a:noFill/>
+                  </a:ln>
+                  <a:solidFill>
+                    <a:srgbClr val="BCBEC4"/>
+                  </a:solidFill>
+                  <a:effectLst/>
+                  <a:latin typeface="+mj-lt"/>
+                  <a:cs typeface="JetBrains Mono" panose="02000009000000000000" pitchFamily="49" charset="0"/>
+                </a:rPr>
+              </a:br>
+              <a:r>
+                <a:rPr kumimoji="0" lang="zh-TW" altLang="zh-TW" sz="1300" b="0" i="0" u="none" strike="noStrike" cap="none" normalizeH="0" baseline="0">
+                  <a:ln>
+                    <a:noFill/>
+                  </a:ln>
+                  <a:solidFill>
+                    <a:srgbClr val="BCBEC4"/>
+                  </a:solidFill>
+                  <a:effectLst/>
+                  <a:latin typeface="+mj-lt"/>
+                  <a:cs typeface="JetBrains Mono" panose="02000009000000000000" pitchFamily="49" charset="0"/>
+                </a:rPr>
+                <a:t>                System.</a:t>
+              </a:r>
+              <a:r>
+                <a:rPr kumimoji="0" lang="zh-TW" altLang="zh-TW" sz="1300" b="0" i="1" u="none" strike="noStrike" cap="none" normalizeH="0" baseline="0">
                   <a:ln>
                     <a:noFill/>
                   </a:ln>
@@ -2783,7 +2773,7 @@
                 <a:t>out</a:t>
               </a:r>
               <a:r>
-                <a:rPr kumimoji="0" lang="zh-TW" altLang="zh-TW" sz="1200" b="0" i="0" u="none" strike="noStrike" cap="none" normalizeH="0" baseline="0">
+                <a:rPr kumimoji="0" lang="zh-TW" altLang="zh-TW" sz="1300" b="0" i="0" u="none" strike="noStrike" cap="none" normalizeH="0" baseline="0">
                   <a:ln>
                     <a:noFill/>
                   </a:ln>
@@ -2797,7 +2787,7 @@
                 <a:t>.println(</a:t>
               </a:r>
               <a:r>
-                <a:rPr kumimoji="0" lang="zh-TW" altLang="zh-TW" sz="1200" b="0" i="0" u="none" strike="noStrike" cap="none" normalizeH="0" baseline="0">
+                <a:rPr kumimoji="0" lang="zh-TW" altLang="zh-TW" sz="1300" b="0" i="0" u="none" strike="noStrike" cap="none" normalizeH="0" baseline="0">
                   <a:ln>
                     <a:noFill/>
                   </a:ln>
@@ -2811,7 +2801,7 @@
                 <a:t>"</a:t>
               </a:r>
               <a:r>
-                <a:rPr kumimoji="0" lang="zh-TW" altLang="zh-TW" sz="1200" b="0" i="0" u="none" strike="noStrike" cap="none" normalizeH="0" baseline="0">
+                <a:rPr kumimoji="0" lang="zh-TW" altLang="zh-TW" sz="1300" b="0" i="0" u="none" strike="noStrike" cap="none" normalizeH="0" baseline="0">
                   <a:ln>
                     <a:noFill/>
                   </a:ln>
@@ -2826,7 +2816,7 @@
                 <a:t>造成錯誤原因：</a:t>
               </a:r>
               <a:r>
-                <a:rPr kumimoji="0" lang="zh-TW" altLang="zh-TW" sz="1200" b="0" i="0" u="none" strike="noStrike" cap="none" normalizeH="0" baseline="0">
+                <a:rPr kumimoji="0" lang="zh-TW" altLang="zh-TW" sz="1300" b="0" i="0" u="none" strike="noStrike" cap="none" normalizeH="0" baseline="0">
                   <a:ln>
                     <a:noFill/>
                   </a:ln>
@@ -2840,21 +2830,21 @@
                 <a:t>" </a:t>
               </a:r>
               <a:r>
-                <a:rPr kumimoji="0" lang="zh-TW" altLang="zh-TW" sz="1200" b="0" i="0" u="none" strike="noStrike" cap="none" normalizeH="0" baseline="0">
-                  <a:ln>
-                    <a:noFill/>
-                  </a:ln>
-                  <a:solidFill>
-                    <a:srgbClr val="BCBEC4"/>
-                  </a:solidFill>
-                  <a:effectLst/>
-                  <a:latin typeface="+mj-lt"/>
-                  <a:cs typeface="JetBrains Mono" panose="02000009000000000000" pitchFamily="49" charset="0"/>
-                </a:rPr>
-                <a:t>+ e.getCause().getMessage());</a:t>
+                <a:rPr kumimoji="0" lang="zh-TW" altLang="zh-TW" sz="1300" b="0" i="0" u="none" strike="noStrike" cap="none" normalizeH="0" baseline="0">
+                  <a:ln>
+                    <a:noFill/>
+                  </a:ln>
+                  <a:solidFill>
+                    <a:srgbClr val="BCBEC4"/>
+                  </a:solidFill>
+                  <a:effectLst/>
+                  <a:latin typeface="+mj-lt"/>
+                  <a:cs typeface="JetBrains Mono" panose="02000009000000000000" pitchFamily="49" charset="0"/>
+                </a:rPr>
+                <a:t>+</a:t>
               </a:r>
               <a:br>
-                <a:rPr kumimoji="0" lang="zh-TW" altLang="zh-TW" sz="1200" b="0" i="0" u="none" strike="noStrike" cap="none" normalizeH="0" baseline="0">
+                <a:rPr kumimoji="0" lang="zh-TW" altLang="zh-TW" sz="1300" b="0" i="0" u="none" strike="noStrike" cap="none" normalizeH="0" baseline="0">
                   <a:ln>
                     <a:noFill/>
                   </a:ln>
@@ -2867,21 +2857,21 @@
                 </a:rPr>
               </a:br>
               <a:r>
-                <a:rPr kumimoji="0" lang="zh-TW" altLang="zh-TW" sz="1200" b="0" i="0" u="none" strike="noStrike" cap="none" normalizeH="0" baseline="0">
-                  <a:ln>
-                    <a:noFill/>
-                  </a:ln>
-                  <a:solidFill>
-                    <a:srgbClr val="BCBEC4"/>
-                  </a:solidFill>
-                  <a:effectLst/>
-                  <a:latin typeface="+mj-lt"/>
-                  <a:cs typeface="JetBrains Mono" panose="02000009000000000000" pitchFamily="49" charset="0"/>
-                </a:rPr>
-                <a:t>14                    e.printStackTrace();</a:t>
+                <a:rPr kumimoji="0" lang="zh-TW" altLang="zh-TW" sz="1300" b="0" i="0" u="none" strike="noStrike" cap="none" normalizeH="0" baseline="0">
+                  <a:ln>
+                    <a:noFill/>
+                  </a:ln>
+                  <a:solidFill>
+                    <a:srgbClr val="BCBEC4"/>
+                  </a:solidFill>
+                  <a:effectLst/>
+                  <a:latin typeface="+mj-lt"/>
+                  <a:cs typeface="JetBrains Mono" panose="02000009000000000000" pitchFamily="49" charset="0"/>
+                </a:rPr>
+                <a:t>                        e.getCause().getMessage());</a:t>
               </a:r>
               <a:br>
-                <a:rPr kumimoji="0" lang="zh-TW" altLang="zh-TW" sz="1200" b="0" i="0" u="none" strike="noStrike" cap="none" normalizeH="0" baseline="0">
+                <a:rPr kumimoji="0" lang="zh-TW" altLang="zh-TW" sz="1300" b="0" i="0" u="none" strike="noStrike" cap="none" normalizeH="0" baseline="0">
                   <a:ln>
                     <a:noFill/>
                   </a:ln>
@@ -2894,21 +2884,21 @@
                 </a:rPr>
               </a:br>
               <a:r>
-                <a:rPr kumimoji="0" lang="zh-TW" altLang="zh-TW" sz="1200" b="0" i="0" u="none" strike="noStrike" cap="none" normalizeH="0" baseline="0">
-                  <a:ln>
-                    <a:noFill/>
-                  </a:ln>
-                  <a:solidFill>
-                    <a:srgbClr val="BCBEC4"/>
-                  </a:solidFill>
-                  <a:effectLst/>
-                  <a:latin typeface="+mj-lt"/>
-                  <a:cs typeface="JetBrains Mono" panose="02000009000000000000" pitchFamily="49" charset="0"/>
-                </a:rPr>
-                <a:t>15                }</a:t>
+                <a:rPr kumimoji="0" lang="zh-TW" altLang="zh-TW" sz="1300" b="0" i="0" u="none" strike="noStrike" cap="none" normalizeH="0" baseline="0">
+                  <a:ln>
+                    <a:noFill/>
+                  </a:ln>
+                  <a:solidFill>
+                    <a:srgbClr val="BCBEC4"/>
+                  </a:solidFill>
+                  <a:effectLst/>
+                  <a:latin typeface="+mj-lt"/>
+                  <a:cs typeface="JetBrains Mono" panose="02000009000000000000" pitchFamily="49" charset="0"/>
+                </a:rPr>
+                <a:t>                e.printStackTrace();</a:t>
               </a:r>
               <a:br>
-                <a:rPr kumimoji="0" lang="zh-TW" altLang="zh-TW" sz="1200" b="0" i="0" u="none" strike="noStrike" cap="none" normalizeH="0" baseline="0">
+                <a:rPr kumimoji="0" lang="zh-TW" altLang="zh-TW" sz="1300" b="0" i="0" u="none" strike="noStrike" cap="none" normalizeH="0" baseline="0">
                   <a:ln>
                     <a:noFill/>
                   </a:ln>
@@ -2921,21 +2911,21 @@
                 </a:rPr>
               </a:br>
               <a:r>
-                <a:rPr kumimoji="0" lang="zh-TW" altLang="zh-TW" sz="1200" b="0" i="0" u="none" strike="noStrike" cap="none" normalizeH="0" baseline="0">
-                  <a:ln>
-                    <a:noFill/>
-                  </a:ln>
-                  <a:solidFill>
-                    <a:srgbClr val="BCBEC4"/>
-                  </a:solidFill>
-                  <a:effectLst/>
-                  <a:latin typeface="+mj-lt"/>
-                  <a:cs typeface="JetBrains Mono" panose="02000009000000000000" pitchFamily="49" charset="0"/>
-                </a:rPr>
-                <a:t>16            }</a:t>
+                <a:rPr kumimoji="0" lang="zh-TW" altLang="zh-TW" sz="1300" b="0" i="0" u="none" strike="noStrike" cap="none" normalizeH="0" baseline="0">
+                  <a:ln>
+                    <a:noFill/>
+                  </a:ln>
+                  <a:solidFill>
+                    <a:srgbClr val="BCBEC4"/>
+                  </a:solidFill>
+                  <a:effectLst/>
+                  <a:latin typeface="+mj-lt"/>
+                  <a:cs typeface="JetBrains Mono" panose="02000009000000000000" pitchFamily="49" charset="0"/>
+                </a:rPr>
+                <a:t>            }</a:t>
               </a:r>
               <a:br>
-                <a:rPr kumimoji="0" lang="zh-TW" altLang="zh-TW" sz="1200" b="0" i="0" u="none" strike="noStrike" cap="none" normalizeH="0" baseline="0">
+                <a:rPr kumimoji="0" lang="zh-TW" altLang="zh-TW" sz="1300" b="0" i="0" u="none" strike="noStrike" cap="none" normalizeH="0" baseline="0">
                   <a:ln>
                     <a:noFill/>
                   </a:ln>
@@ -2948,21 +2938,21 @@
                 </a:rPr>
               </a:br>
               <a:r>
-                <a:rPr kumimoji="0" lang="zh-TW" altLang="zh-TW" sz="1200" b="0" i="0" u="none" strike="noStrike" cap="none" normalizeH="0" baseline="0">
-                  <a:ln>
-                    <a:noFill/>
-                  </a:ln>
-                  <a:solidFill>
-                    <a:srgbClr val="BCBEC4"/>
-                  </a:solidFill>
-                  <a:effectLst/>
-                  <a:latin typeface="+mj-lt"/>
-                  <a:cs typeface="JetBrains Mono" panose="02000009000000000000" pitchFamily="49" charset="0"/>
-                </a:rPr>
-                <a:t>17        }</a:t>
+                <a:rPr kumimoji="0" lang="zh-TW" altLang="zh-TW" sz="1300" b="0" i="0" u="none" strike="noStrike" cap="none" normalizeH="0" baseline="0">
+                  <a:ln>
+                    <a:noFill/>
+                  </a:ln>
+                  <a:solidFill>
+                    <a:srgbClr val="BCBEC4"/>
+                  </a:solidFill>
+                  <a:effectLst/>
+                  <a:latin typeface="+mj-lt"/>
+                  <a:cs typeface="JetBrains Mono" panose="02000009000000000000" pitchFamily="49" charset="0"/>
+                </a:rPr>
+                <a:t>        }</a:t>
               </a:r>
               <a:br>
-                <a:rPr kumimoji="0" lang="zh-TW" altLang="zh-TW" sz="1200" b="0" i="0" u="none" strike="noStrike" cap="none" normalizeH="0" baseline="0">
+                <a:rPr kumimoji="0" lang="zh-TW" altLang="zh-TW" sz="1300" b="0" i="0" u="none" strike="noStrike" cap="none" normalizeH="0" baseline="0">
                   <a:ln>
                     <a:noFill/>
                   </a:ln>
@@ -2975,21 +2965,21 @@
                 </a:rPr>
               </a:br>
               <a:r>
-                <a:rPr kumimoji="0" lang="zh-TW" altLang="zh-TW" sz="1200" b="0" i="0" u="none" strike="noStrike" cap="none" normalizeH="0" baseline="0">
-                  <a:ln>
-                    <a:noFill/>
-                  </a:ln>
-                  <a:solidFill>
-                    <a:srgbClr val="BCBEC4"/>
-                  </a:solidFill>
-                  <a:effectLst/>
-                  <a:latin typeface="+mj-lt"/>
-                  <a:cs typeface="JetBrains Mono" panose="02000009000000000000" pitchFamily="49" charset="0"/>
-                </a:rPr>
-                <a:t>18    </a:t>
+                <a:rPr kumimoji="0" lang="zh-TW" altLang="zh-TW" sz="1300" b="0" i="0" u="none" strike="noStrike" cap="none" normalizeH="0" baseline="0">
+                  <a:ln>
+                    <a:noFill/>
+                  </a:ln>
+                  <a:solidFill>
+                    <a:srgbClr val="BCBEC4"/>
+                  </a:solidFill>
+                  <a:effectLst/>
+                  <a:latin typeface="+mj-lt"/>
+                  <a:cs typeface="JetBrains Mono" panose="02000009000000000000" pitchFamily="49" charset="0"/>
+                </a:rPr>
+                <a:t>    }</a:t>
               </a:r>
               <a:br>
-                <a:rPr kumimoji="0" lang="zh-TW" altLang="zh-TW" sz="1200" b="0" i="0" u="none" strike="noStrike" cap="none" normalizeH="0" baseline="0">
+                <a:rPr kumimoji="0" lang="zh-TW" altLang="zh-TW" sz="1300" b="0" i="0" u="none" strike="noStrike" cap="none" normalizeH="0" baseline="0">
                   <a:ln>
                     <a:noFill/>
                   </a:ln>
@@ -3001,22 +2991,35 @@
                   <a:cs typeface="JetBrains Mono" panose="02000009000000000000" pitchFamily="49" charset="0"/>
                 </a:rPr>
               </a:br>
-              <a:r>
-                <a:rPr kumimoji="0" lang="zh-TW" altLang="zh-TW" sz="1200" b="0" i="0" u="none" strike="noStrike" cap="none" normalizeH="0" baseline="0">
-                  <a:ln>
-                    <a:noFill/>
-                  </a:ln>
-                  <a:solidFill>
-                    <a:srgbClr val="BCBEC4"/>
-                  </a:solidFill>
-                  <a:effectLst/>
-                  <a:latin typeface="+mj-lt"/>
-                  <a:cs typeface="JetBrains Mono" panose="02000009000000000000" pitchFamily="49" charset="0"/>
-                </a:rPr>
-                <a:t>19        </a:t>
-              </a:r>
-              <a:r>
-                <a:rPr kumimoji="0" lang="zh-TW" altLang="zh-TW" sz="1200" b="0" i="0" u="none" strike="noStrike" cap="none" normalizeH="0" baseline="0">
+              <a:br>
+                <a:rPr kumimoji="0" lang="zh-TW" altLang="zh-TW" sz="1300" b="0" i="0" u="none" strike="noStrike" cap="none" normalizeH="0" baseline="0">
+                  <a:ln>
+                    <a:noFill/>
+                  </a:ln>
+                  <a:solidFill>
+                    <a:srgbClr val="BCBEC4"/>
+                  </a:solidFill>
+                  <a:effectLst/>
+                  <a:latin typeface="+mj-lt"/>
+                  <a:cs typeface="JetBrains Mono" panose="02000009000000000000" pitchFamily="49" charset="0"/>
+                </a:rPr>
+              </a:br>
+              <a:r>
+                <a:rPr kumimoji="0" lang="zh-TW" altLang="zh-TW" sz="1300" b="0" i="0" u="none" strike="noStrike" cap="none" normalizeH="0" baseline="0">
+                  <a:ln>
+                    <a:noFill/>
+                  </a:ln>
+                  <a:solidFill>
+                    <a:srgbClr val="BCBEC4"/>
+                  </a:solidFill>
+                  <a:effectLst/>
+                  <a:latin typeface="+mj-lt"/>
+                  <a:cs typeface="JetBrains Mono" panose="02000009000000000000" pitchFamily="49" charset="0"/>
+                </a:rPr>
+                <a:t>    </a:t>
+              </a:r>
+              <a:r>
+                <a:rPr kumimoji="0" lang="zh-TW" altLang="zh-TW" sz="1300" b="0" i="0" u="none" strike="noStrike" cap="none" normalizeH="0" baseline="0">
                   <a:ln>
                     <a:noFill/>
                   </a:ln>
@@ -3030,7 +3033,7 @@
                 <a:t>public static void </a:t>
               </a:r>
               <a:r>
-                <a:rPr kumimoji="0" lang="zh-TW" altLang="zh-TW" sz="1200" b="0" i="0" u="none" strike="noStrike" cap="none" normalizeH="0" baseline="0">
+                <a:rPr kumimoji="0" lang="zh-TW" altLang="zh-TW" sz="1300" b="0" i="0" u="none" strike="noStrike" cap="none" normalizeH="0" baseline="0">
                   <a:ln>
                     <a:noFill/>
                   </a:ln>
@@ -3044,7 +3047,7 @@
                 <a:t>printElement</a:t>
               </a:r>
               <a:r>
-                <a:rPr kumimoji="0" lang="zh-TW" altLang="zh-TW" sz="1200" b="0" i="0" u="none" strike="noStrike" cap="none" normalizeH="0" baseline="0">
+                <a:rPr kumimoji="0" lang="zh-TW" altLang="zh-TW" sz="1300" b="0" i="0" u="none" strike="noStrike" cap="none" normalizeH="0" baseline="0">
                   <a:ln>
                     <a:noFill/>
                   </a:ln>
@@ -3058,7 +3061,7 @@
                 <a:t>(String[] arr, </a:t>
               </a:r>
               <a:r>
-                <a:rPr kumimoji="0" lang="zh-TW" altLang="zh-TW" sz="1200" b="0" i="0" u="none" strike="noStrike" cap="none" normalizeH="0" baseline="0">
+                <a:rPr kumimoji="0" lang="zh-TW" altLang="zh-TW" sz="1300" b="0" i="0" u="none" strike="noStrike" cap="none" normalizeH="0" baseline="0">
                   <a:ln>
                     <a:noFill/>
                   </a:ln>
@@ -3072,7 +3075,7 @@
                 <a:t>int </a:t>
               </a:r>
               <a:r>
-                <a:rPr kumimoji="0" lang="zh-TW" altLang="zh-TW" sz="1200" b="0" i="0" u="none" strike="noStrike" cap="none" normalizeH="0" baseline="0">
+                <a:rPr kumimoji="0" lang="zh-TW" altLang="zh-TW" sz="1300" b="0" i="0" u="none" strike="noStrike" cap="none" normalizeH="0" baseline="0">
                   <a:ln>
                     <a:noFill/>
                   </a:ln>
@@ -3086,7 +3089,7 @@
                 <a:t>index) {</a:t>
               </a:r>
               <a:br>
-                <a:rPr kumimoji="0" lang="zh-TW" altLang="zh-TW" sz="1200" b="0" i="0" u="none" strike="noStrike" cap="none" normalizeH="0" baseline="0">
+                <a:rPr kumimoji="0" lang="zh-TW" altLang="zh-TW" sz="1300" b="0" i="0" u="none" strike="noStrike" cap="none" normalizeH="0" baseline="0">
                   <a:ln>
                     <a:noFill/>
                   </a:ln>
@@ -3099,21 +3102,21 @@
                 </a:rPr>
               </a:br>
               <a:r>
-                <a:rPr kumimoji="0" lang="zh-TW" altLang="zh-TW" sz="1200" b="0" i="0" u="none" strike="noStrike" cap="none" normalizeH="0" baseline="0">
-                  <a:ln>
-                    <a:noFill/>
-                  </a:ln>
-                  <a:solidFill>
-                    <a:srgbClr val="BCBEC4"/>
-                  </a:solidFill>
-                  <a:effectLst/>
-                  <a:latin typeface="+mj-lt"/>
-                  <a:cs typeface="JetBrains Mono" panose="02000009000000000000" pitchFamily="49" charset="0"/>
-                </a:rPr>
-                <a:t>20            </a:t>
-              </a:r>
-              <a:r>
-                <a:rPr kumimoji="0" lang="zh-TW" altLang="zh-TW" sz="1200" b="0" i="0" u="none" strike="noStrike" cap="none" normalizeH="0" baseline="0">
+                <a:rPr kumimoji="0" lang="zh-TW" altLang="zh-TW" sz="1300" b="0" i="0" u="none" strike="noStrike" cap="none" normalizeH="0" baseline="0">
+                  <a:ln>
+                    <a:noFill/>
+                  </a:ln>
+                  <a:solidFill>
+                    <a:srgbClr val="BCBEC4"/>
+                  </a:solidFill>
+                  <a:effectLst/>
+                  <a:latin typeface="+mj-lt"/>
+                  <a:cs typeface="JetBrains Mono" panose="02000009000000000000" pitchFamily="49" charset="0"/>
+                </a:rPr>
+                <a:t>        </a:t>
+              </a:r>
+              <a:r>
+                <a:rPr kumimoji="0" lang="zh-TW" altLang="zh-TW" sz="1300" b="0" i="0" u="none" strike="noStrike" cap="none" normalizeH="0" baseline="0">
                   <a:ln>
                     <a:noFill/>
                   </a:ln>
@@ -3127,7 +3130,7 @@
                 <a:t>try </a:t>
               </a:r>
               <a:r>
-                <a:rPr kumimoji="0" lang="zh-TW" altLang="zh-TW" sz="1200" b="0" i="0" u="none" strike="noStrike" cap="none" normalizeH="0" baseline="0">
+                <a:rPr kumimoji="0" lang="zh-TW" altLang="zh-TW" sz="1300" b="0" i="0" u="none" strike="noStrike" cap="none" normalizeH="0" baseline="0">
                   <a:ln>
                     <a:noFill/>
                   </a:ln>
@@ -3141,7 +3144,7 @@
                 <a:t>{</a:t>
               </a:r>
               <a:br>
-                <a:rPr kumimoji="0" lang="zh-TW" altLang="zh-TW" sz="1200" b="0" i="0" u="none" strike="noStrike" cap="none" normalizeH="0" baseline="0">
+                <a:rPr kumimoji="0" lang="zh-TW" altLang="zh-TW" sz="1300" b="0" i="0" u="none" strike="noStrike" cap="none" normalizeH="0" baseline="0">
                   <a:ln>
                     <a:noFill/>
                   </a:ln>
@@ -3154,21 +3157,21 @@
                 </a:rPr>
               </a:br>
               <a:r>
-                <a:rPr kumimoji="0" lang="zh-TW" altLang="zh-TW" sz="1200" b="0" i="0" u="none" strike="noStrike" cap="none" normalizeH="0" baseline="0">
-                  <a:ln>
-                    <a:noFill/>
-                  </a:ln>
-                  <a:solidFill>
-                    <a:srgbClr val="BCBEC4"/>
-                  </a:solidFill>
-                  <a:effectLst/>
-                  <a:latin typeface="+mj-lt"/>
-                  <a:cs typeface="JetBrains Mono" panose="02000009000000000000" pitchFamily="49" charset="0"/>
-                </a:rPr>
-                <a:t>21                System.</a:t>
-              </a:r>
-              <a:r>
-                <a:rPr kumimoji="0" lang="zh-TW" altLang="zh-TW" sz="1200" b="0" i="1" u="none" strike="noStrike" cap="none" normalizeH="0" baseline="0">
+                <a:rPr kumimoji="0" lang="zh-TW" altLang="zh-TW" sz="1300" b="0" i="0" u="none" strike="noStrike" cap="none" normalizeH="0" baseline="0">
+                  <a:ln>
+                    <a:noFill/>
+                  </a:ln>
+                  <a:solidFill>
+                    <a:srgbClr val="BCBEC4"/>
+                  </a:solidFill>
+                  <a:effectLst/>
+                  <a:latin typeface="+mj-lt"/>
+                  <a:cs typeface="JetBrains Mono" panose="02000009000000000000" pitchFamily="49" charset="0"/>
+                </a:rPr>
+                <a:t>            System.</a:t>
+              </a:r>
+              <a:r>
+                <a:rPr kumimoji="0" lang="zh-TW" altLang="zh-TW" sz="1300" b="0" i="1" u="none" strike="noStrike" cap="none" normalizeH="0" baseline="0">
                   <a:ln>
                     <a:noFill/>
                   </a:ln>
@@ -3182,7 +3185,7 @@
                 <a:t>out</a:t>
               </a:r>
               <a:r>
-                <a:rPr kumimoji="0" lang="zh-TW" altLang="zh-TW" sz="1200" b="0" i="0" u="none" strike="noStrike" cap="none" normalizeH="0" baseline="0">
+                <a:rPr kumimoji="0" lang="zh-TW" altLang="zh-TW" sz="1300" b="0" i="0" u="none" strike="noStrike" cap="none" normalizeH="0" baseline="0">
                   <a:ln>
                     <a:noFill/>
                   </a:ln>
@@ -3196,7 +3199,7 @@
                 <a:t>.println(arr[index]);</a:t>
               </a:r>
               <a:br>
-                <a:rPr kumimoji="0" lang="zh-TW" altLang="zh-TW" sz="1200" b="0" i="0" u="none" strike="noStrike" cap="none" normalizeH="0" baseline="0">
+                <a:rPr kumimoji="0" lang="zh-TW" altLang="zh-TW" sz="1300" b="0" i="0" u="none" strike="noStrike" cap="none" normalizeH="0" baseline="0">
                   <a:ln>
                     <a:noFill/>
                   </a:ln>
@@ -3209,21 +3212,21 @@
                 </a:rPr>
               </a:br>
               <a:r>
-                <a:rPr kumimoji="0" lang="zh-TW" altLang="zh-TW" sz="1200" b="0" i="0" u="none" strike="noStrike" cap="none" normalizeH="0" baseline="0">
-                  <a:ln>
-                    <a:noFill/>
-                  </a:ln>
-                  <a:solidFill>
-                    <a:srgbClr val="BCBEC4"/>
-                  </a:solidFill>
-                  <a:effectLst/>
-                  <a:latin typeface="+mj-lt"/>
-                  <a:cs typeface="JetBrains Mono" panose="02000009000000000000" pitchFamily="49" charset="0"/>
-                </a:rPr>
-                <a:t>22            } </a:t>
-              </a:r>
-              <a:r>
-                <a:rPr kumimoji="0" lang="zh-TW" altLang="zh-TW" sz="1200" b="0" i="0" u="none" strike="noStrike" cap="none" normalizeH="0" baseline="0">
+                <a:rPr kumimoji="0" lang="zh-TW" altLang="zh-TW" sz="1300" b="0" i="0" u="none" strike="noStrike" cap="none" normalizeH="0" baseline="0">
+                  <a:ln>
+                    <a:noFill/>
+                  </a:ln>
+                  <a:solidFill>
+                    <a:srgbClr val="BCBEC4"/>
+                  </a:solidFill>
+                  <a:effectLst/>
+                  <a:latin typeface="+mj-lt"/>
+                  <a:cs typeface="JetBrains Mono" panose="02000009000000000000" pitchFamily="49" charset="0"/>
+                </a:rPr>
+                <a:t>        } </a:t>
+              </a:r>
+              <a:r>
+                <a:rPr kumimoji="0" lang="zh-TW" altLang="zh-TW" sz="1300" b="0" i="0" u="none" strike="noStrike" cap="none" normalizeH="0" baseline="0">
                   <a:ln>
                     <a:noFill/>
                   </a:ln>
@@ -3237,7 +3240,7 @@
                 <a:t>catch </a:t>
               </a:r>
               <a:r>
-                <a:rPr kumimoji="0" lang="zh-TW" altLang="zh-TW" sz="1200" b="0" i="0" u="none" strike="noStrike" cap="none" normalizeH="0" baseline="0">
+                <a:rPr kumimoji="0" lang="zh-TW" altLang="zh-TW" sz="1300" b="0" i="0" u="none" strike="noStrike" cap="none" normalizeH="0" baseline="0">
                   <a:ln>
                     <a:noFill/>
                   </a:ln>
@@ -3251,7 +3254,7 @@
                 <a:t>(ArrayIndexOutOfBoundsException e) {</a:t>
               </a:r>
               <a:br>
-                <a:rPr kumimoji="0" lang="zh-TW" altLang="zh-TW" sz="1200" b="0" i="0" u="none" strike="noStrike" cap="none" normalizeH="0" baseline="0">
+                <a:rPr kumimoji="0" lang="zh-TW" altLang="zh-TW" sz="1300" b="0" i="0" u="none" strike="noStrike" cap="none" normalizeH="0" baseline="0">
                   <a:ln>
                     <a:noFill/>
                   </a:ln>
@@ -3264,21 +3267,21 @@
                 </a:rPr>
               </a:br>
               <a:r>
-                <a:rPr kumimoji="0" lang="zh-TW" altLang="zh-TW" sz="1200" b="0" i="0" u="none" strike="noStrike" cap="none" normalizeH="0" baseline="0">
-                  <a:ln>
-                    <a:noFill/>
-                  </a:ln>
-                  <a:solidFill>
-                    <a:srgbClr val="BCBEC4"/>
-                  </a:solidFill>
-                  <a:effectLst/>
-                  <a:latin typeface="+mj-lt"/>
-                  <a:cs typeface="JetBrains Mono" panose="02000009000000000000" pitchFamily="49" charset="0"/>
-                </a:rPr>
-                <a:t>23                </a:t>
-              </a:r>
-              <a:r>
-                <a:rPr kumimoji="0" lang="zh-TW" altLang="zh-TW" sz="1200" b="0" i="0" u="none" strike="noStrike" cap="none" normalizeH="0" baseline="0">
+                <a:rPr kumimoji="0" lang="zh-TW" altLang="zh-TW" sz="1300" b="0" i="0" u="none" strike="noStrike" cap="none" normalizeH="0" baseline="0">
+                  <a:ln>
+                    <a:noFill/>
+                  </a:ln>
+                  <a:solidFill>
+                    <a:srgbClr val="BCBEC4"/>
+                  </a:solidFill>
+                  <a:effectLst/>
+                  <a:latin typeface="+mj-lt"/>
+                  <a:cs typeface="JetBrains Mono" panose="02000009000000000000" pitchFamily="49" charset="0"/>
+                </a:rPr>
+                <a:t>            </a:t>
+              </a:r>
+              <a:r>
+                <a:rPr kumimoji="0" lang="zh-TW" altLang="zh-TW" sz="1300" b="0" i="0" u="none" strike="noStrike" cap="none" normalizeH="0" baseline="0">
                   <a:ln>
                     <a:noFill/>
                   </a:ln>
@@ -3292,7 +3295,7 @@
                 <a:t>throw new </a:t>
               </a:r>
               <a:r>
-                <a:rPr kumimoji="0" lang="zh-TW" altLang="zh-TW" sz="1200" b="0" i="0" u="none" strike="noStrike" cap="none" normalizeH="0" baseline="0">
+                <a:rPr kumimoji="0" lang="zh-TW" altLang="zh-TW" sz="1300" b="0" i="0" u="none" strike="noStrike" cap="none" normalizeH="0" baseline="0">
                   <a:ln>
                     <a:noFill/>
                   </a:ln>
@@ -3306,7 +3309,7 @@
                 <a:t>IllegalArgumentException(</a:t>
               </a:r>
               <a:r>
-                <a:rPr kumimoji="0" lang="zh-TW" altLang="zh-TW" sz="1200" b="0" i="0" u="none" strike="noStrike" cap="none" normalizeH="0" baseline="0">
+                <a:rPr kumimoji="0" lang="zh-TW" altLang="zh-TW" sz="1300" b="0" i="0" u="none" strike="noStrike" cap="none" normalizeH="0" baseline="0">
                   <a:ln>
                     <a:noFill/>
                   </a:ln>
@@ -3320,7 +3323,7 @@
                 <a:t>"</a:t>
               </a:r>
               <a:r>
-                <a:rPr kumimoji="0" lang="zh-TW" altLang="zh-TW" sz="1200" b="0" i="0" u="none" strike="noStrike" cap="none" normalizeH="0" baseline="0">
+                <a:rPr kumimoji="0" lang="zh-TW" altLang="zh-TW" sz="1300" b="0" i="0" u="none" strike="noStrike" cap="none" normalizeH="0" baseline="0">
                   <a:ln>
                     <a:noFill/>
                   </a:ln>
@@ -3335,7 +3338,7 @@
                 <a:t>索引值超出範圍</a:t>
               </a:r>
               <a:r>
-                <a:rPr kumimoji="0" lang="zh-TW" altLang="zh-TW" sz="1200" b="0" i="0" u="none" strike="noStrike" cap="none" normalizeH="0" baseline="0">
+                <a:rPr kumimoji="0" lang="zh-TW" altLang="zh-TW" sz="1300" b="0" i="0" u="none" strike="noStrike" cap="none" normalizeH="0" baseline="0">
                   <a:ln>
                     <a:noFill/>
                   </a:ln>
@@ -3349,7 +3352,7 @@
                 <a:t>"</a:t>
               </a:r>
               <a:r>
-                <a:rPr kumimoji="0" lang="zh-TW" altLang="zh-TW" sz="1200" b="0" i="0" u="none" strike="noStrike" cap="none" normalizeH="0" baseline="0">
+                <a:rPr kumimoji="0" lang="zh-TW" altLang="zh-TW" sz="1300" b="0" i="0" u="none" strike="noStrike" cap="none" normalizeH="0" baseline="0">
                   <a:ln>
                     <a:noFill/>
                   </a:ln>
@@ -3363,7 +3366,7 @@
                 <a:t>, e);</a:t>
               </a:r>
               <a:br>
-                <a:rPr kumimoji="0" lang="zh-TW" altLang="zh-TW" sz="1200" b="0" i="0" u="none" strike="noStrike" cap="none" normalizeH="0" baseline="0">
+                <a:rPr kumimoji="0" lang="zh-TW" altLang="zh-TW" sz="1300" b="0" i="0" u="none" strike="noStrike" cap="none" normalizeH="0" baseline="0">
                   <a:ln>
                     <a:noFill/>
                   </a:ln>
@@ -3376,21 +3379,21 @@
                 </a:rPr>
               </a:br>
               <a:r>
-                <a:rPr kumimoji="0" lang="zh-TW" altLang="zh-TW" sz="1200" b="0" i="0" u="none" strike="noStrike" cap="none" normalizeH="0" baseline="0">
-                  <a:ln>
-                    <a:noFill/>
-                  </a:ln>
-                  <a:solidFill>
-                    <a:srgbClr val="BCBEC4"/>
-                  </a:solidFill>
-                  <a:effectLst/>
-                  <a:latin typeface="+mj-lt"/>
-                  <a:cs typeface="JetBrains Mono" panose="02000009000000000000" pitchFamily="49" charset="0"/>
-                </a:rPr>
-                <a:t>24            }</a:t>
+                <a:rPr kumimoji="0" lang="zh-TW" altLang="zh-TW" sz="1300" b="0" i="0" u="none" strike="noStrike" cap="none" normalizeH="0" baseline="0">
+                  <a:ln>
+                    <a:noFill/>
+                  </a:ln>
+                  <a:solidFill>
+                    <a:srgbClr val="BCBEC4"/>
+                  </a:solidFill>
+                  <a:effectLst/>
+                  <a:latin typeface="+mj-lt"/>
+                  <a:cs typeface="JetBrains Mono" panose="02000009000000000000" pitchFamily="49" charset="0"/>
+                </a:rPr>
+                <a:t>        }</a:t>
               </a:r>
               <a:br>
-                <a:rPr kumimoji="0" lang="zh-TW" altLang="zh-TW" sz="1200" b="0" i="0" u="none" strike="noStrike" cap="none" normalizeH="0" baseline="0">
+                <a:rPr kumimoji="0" lang="zh-TW" altLang="zh-TW" sz="1300" b="0" i="0" u="none" strike="noStrike" cap="none" normalizeH="0" baseline="0">
                   <a:ln>
                     <a:noFill/>
                   </a:ln>
@@ -3403,21 +3406,21 @@
                 </a:rPr>
               </a:br>
               <a:r>
-                <a:rPr kumimoji="0" lang="zh-TW" altLang="zh-TW" sz="1200" b="0" i="0" u="none" strike="noStrike" cap="none" normalizeH="0" baseline="0">
-                  <a:ln>
-                    <a:noFill/>
-                  </a:ln>
-                  <a:solidFill>
-                    <a:srgbClr val="BCBEC4"/>
-                  </a:solidFill>
-                  <a:effectLst/>
-                  <a:latin typeface="+mj-lt"/>
-                  <a:cs typeface="JetBrains Mono" panose="02000009000000000000" pitchFamily="49" charset="0"/>
-                </a:rPr>
-                <a:t>25        }</a:t>
+                <a:rPr kumimoji="0" lang="zh-TW" altLang="zh-TW" sz="1300" b="0" i="0" u="none" strike="noStrike" cap="none" normalizeH="0" baseline="0">
+                  <a:ln>
+                    <a:noFill/>
+                  </a:ln>
+                  <a:solidFill>
+                    <a:srgbClr val="BCBEC4"/>
+                  </a:solidFill>
+                  <a:effectLst/>
+                  <a:latin typeface="+mj-lt"/>
+                  <a:cs typeface="JetBrains Mono" panose="02000009000000000000" pitchFamily="49" charset="0"/>
+                </a:rPr>
+                <a:t>    }</a:t>
               </a:r>
               <a:br>
-                <a:rPr kumimoji="0" lang="zh-TW" altLang="zh-TW" sz="1200" b="0" i="0" u="none" strike="noStrike" cap="none" normalizeH="0" baseline="0">
+                <a:rPr kumimoji="0" lang="zh-TW" altLang="zh-TW" sz="1300" b="0" i="0" u="none" strike="noStrike" cap="none" normalizeH="0" baseline="0">
                   <a:ln>
                     <a:noFill/>
                   </a:ln>
@@ -3430,20 +3433,20 @@
                 </a:rPr>
               </a:br>
               <a:r>
-                <a:rPr kumimoji="0" lang="zh-TW" altLang="zh-TW" sz="1200" b="0" i="0" u="none" strike="noStrike" cap="none" normalizeH="0" baseline="0">
-                  <a:ln>
-                    <a:noFill/>
-                  </a:ln>
-                  <a:solidFill>
-                    <a:srgbClr val="BCBEC4"/>
-                  </a:solidFill>
-                  <a:effectLst/>
-                  <a:latin typeface="+mj-lt"/>
-                  <a:cs typeface="JetBrains Mono" panose="02000009000000000000" pitchFamily="49" charset="0"/>
-                </a:rPr>
-                <a:t>26    }</a:t>
-              </a:r>
-              <a:endParaRPr kumimoji="0" lang="zh-TW" altLang="zh-TW" sz="1600" b="0" i="0" u="none" strike="noStrike" cap="none" normalizeH="0" baseline="0">
+                <a:rPr kumimoji="0" lang="zh-TW" altLang="zh-TW" sz="1300" b="0" i="0" u="none" strike="noStrike" cap="none" normalizeH="0" baseline="0">
+                  <a:ln>
+                    <a:noFill/>
+                  </a:ln>
+                  <a:solidFill>
+                    <a:srgbClr val="BCBEC4"/>
+                  </a:solidFill>
+                  <a:effectLst/>
+                  <a:latin typeface="+mj-lt"/>
+                  <a:cs typeface="JetBrains Mono" panose="02000009000000000000" pitchFamily="49" charset="0"/>
+                </a:rPr>
+                <a:t>}</a:t>
+              </a:r>
+              <a:endParaRPr kumimoji="0" lang="zh-TW" altLang="zh-TW" sz="1800" b="0" i="0" u="none" strike="noStrike" cap="none" normalizeH="0" baseline="0">
                 <a:ln>
                   <a:noFill/>
                 </a:ln>
@@ -3470,7 +3473,7 @@
           </p:nvSpPr>
           <p:spPr>
             <a:xfrm>
-              <a:off x="7014885" y="1519093"/>
+              <a:off x="5832377" y="6212930"/>
               <a:ext cx="691215" cy="369332"/>
             </a:xfrm>
             <a:prstGeom prst="rect">
@@ -3532,7 +3535,7 @@
           </p:blipFill>
           <p:spPr>
             <a:xfrm>
-              <a:off x="7262346" y="1029868"/>
+              <a:off x="6079839" y="891457"/>
               <a:ext cx="443753" cy="434106"/>
             </a:xfrm>
             <a:prstGeom prst="rect">
@@ -3555,7 +3558,7 @@
         </p:nvGrpSpPr>
         <p:grpSpPr>
           <a:xfrm>
-            <a:off x="6513944" y="3571364"/>
+            <a:off x="289101" y="3113629"/>
             <a:ext cx="5345546" cy="3108543"/>
             <a:chOff x="838201" y="3661330"/>
             <a:chExt cx="5345546" cy="3108543"/>
@@ -10737,7 +10740,7 @@
         </p:nvSpPr>
         <p:spPr>
           <a:xfrm>
-            <a:off x="838201" y="1825295"/>
+            <a:off x="838201" y="1715233"/>
             <a:ext cx="3752272" cy="1030668"/>
           </a:xfrm>
         </p:spPr>
@@ -10805,7 +10808,7 @@
         </p:nvGrpSpPr>
         <p:grpSpPr>
           <a:xfrm>
-            <a:off x="838200" y="2977550"/>
+            <a:off x="838200" y="2867488"/>
             <a:ext cx="3752272" cy="461665"/>
             <a:chOff x="6096000" y="1825625"/>
             <a:chExt cx="3752272" cy="461665"/>
@@ -11013,7 +11016,7 @@
         </p:nvGrpSpPr>
         <p:grpSpPr>
           <a:xfrm>
-            <a:off x="838201" y="3842608"/>
+            <a:off x="838201" y="3732546"/>
             <a:ext cx="10515600" cy="2554545"/>
             <a:chOff x="838201" y="3938330"/>
             <a:chExt cx="10515600" cy="2554545"/>
@@ -11397,7 +11400,7 @@
         </p:nvGrpSpPr>
         <p:grpSpPr>
           <a:xfrm>
-            <a:off x="4907804" y="1616800"/>
+            <a:off x="4907804" y="1506738"/>
             <a:ext cx="6445995" cy="3754874"/>
             <a:chOff x="4907804" y="1462138"/>
             <a:chExt cx="6445995" cy="3754874"/>

--- a/ppt/15_例外處理.pptx
+++ b/ppt/15_例外處理.pptx
@@ -2,7 +2,7 @@
 <file path=ppt/presentation.xml><?xml version="1.0" encoding="utf-8"?>
 <p:presentation xmlns:a="http://schemas.openxmlformats.org/drawingml/2006/main" xmlns:r="http://schemas.openxmlformats.org/officeDocument/2006/relationships" xmlns:p="http://schemas.openxmlformats.org/presentationml/2006/main" saveSubsetFonts="1">
   <p:sldMasterIdLst>
-    <p:sldMasterId id="2147483660" r:id="rId1"/>
+    <p:sldMasterId id="2147483665" r:id="rId1"/>
   </p:sldMasterIdLst>
   <p:sldIdLst>
     <p:sldId id="256" r:id="rId2"/>
@@ -248,7 +248,7 @@
     </p:spTree>
     <p:extLst>
       <p:ext uri="{BB962C8B-B14F-4D97-AF65-F5344CB8AC3E}">
-        <p14:creationId xmlns:p14="http://schemas.microsoft.com/office/powerpoint/2010/main" val="2561822240"/>
+        <p14:creationId xmlns:p14="http://schemas.microsoft.com/office/powerpoint/2010/main" val="1965558772"/>
       </p:ext>
     </p:extLst>
   </p:cSld>
@@ -632,7 +632,7 @@
     </p:spTree>
     <p:extLst>
       <p:ext uri="{BB962C8B-B14F-4D97-AF65-F5344CB8AC3E}">
-        <p14:creationId xmlns:p14="http://schemas.microsoft.com/office/powerpoint/2010/main" val="2624949689"/>
+        <p14:creationId xmlns:p14="http://schemas.microsoft.com/office/powerpoint/2010/main" val="2465619061"/>
       </p:ext>
     </p:extLst>
   </p:cSld>
@@ -959,7 +959,7 @@
     </p:spTree>
     <p:extLst>
       <p:ext uri="{BB962C8B-B14F-4D97-AF65-F5344CB8AC3E}">
-        <p14:creationId xmlns:p14="http://schemas.microsoft.com/office/powerpoint/2010/main" val="1551101784"/>
+        <p14:creationId xmlns:p14="http://schemas.microsoft.com/office/powerpoint/2010/main" val="245159988"/>
       </p:ext>
     </p:extLst>
   </p:cSld>
@@ -1258,7 +1258,7 @@
     </p:spTree>
     <p:extLst>
       <p:ext uri="{BB962C8B-B14F-4D97-AF65-F5344CB8AC3E}">
-        <p14:creationId xmlns:p14="http://schemas.microsoft.com/office/powerpoint/2010/main" val="2258705296"/>
+        <p14:creationId xmlns:p14="http://schemas.microsoft.com/office/powerpoint/2010/main" val="1312939394"/>
       </p:ext>
     </p:extLst>
   </p:cSld>
@@ -1491,16 +1491,16 @@
     </p:spTree>
     <p:extLst>
       <p:ext uri="{BB962C8B-B14F-4D97-AF65-F5344CB8AC3E}">
-        <p14:creationId xmlns:p14="http://schemas.microsoft.com/office/powerpoint/2010/main" val="2717060618"/>
+        <p14:creationId xmlns:p14="http://schemas.microsoft.com/office/powerpoint/2010/main" val="3423212208"/>
       </p:ext>
     </p:extLst>
   </p:cSld>
   <p:clrMap bg1="dk1" tx1="lt1" bg2="dk2" tx2="lt2" accent1="accent1" accent2="accent2" accent3="accent3" accent4="accent4" accent5="accent5" accent6="accent6" hlink="hlink" folHlink="folHlink"/>
   <p:sldLayoutIdLst>
-    <p:sldLayoutId id="2147483661" r:id="rId1"/>
-    <p:sldLayoutId id="2147483662" r:id="rId2"/>
-    <p:sldLayoutId id="2147483663" r:id="rId3"/>
-    <p:sldLayoutId id="2147483664" r:id="rId4"/>
+    <p:sldLayoutId id="2147483666" r:id="rId1"/>
+    <p:sldLayoutId id="2147483667" r:id="rId2"/>
+    <p:sldLayoutId id="2147483668" r:id="rId3"/>
+    <p:sldLayoutId id="2147483669" r:id="rId4"/>
   </p:sldLayoutIdLst>
   <p:transition spd="slow">
     <p:push dir="u"/>
@@ -13135,7 +13135,7 @@
   <a:extraClrSchemeLst/>
   <a:extLst>
     <a:ext uri="{05A4C25C-085E-4340-85A3-A5531E510DB2}">
-      <thm15:themeFamily xmlns:thm15="http://schemas.microsoft.com/office/thememl/2012/main" name="TYIC" id="{1CBE48E2-41FD-4EDA-8801-606A138B7FC3}" vid="{F6EAACDE-0833-4468-B256-0551E0034979}"/>
+      <thm15:themeFamily xmlns:thm15="http://schemas.microsoft.com/office/thememl/2012/main" name="TYIC" id="{F8B8016E-470C-4FE5-A78C-33B2A9D17434}" vid="{BC6C4CDA-A093-4978-B969-B6482D48D481}"/>
     </a:ext>
   </a:extLst>
 </a:theme>

--- a/ppt/15_例外處理.pptx
+++ b/ppt/15_例外處理.pptx
@@ -2,7 +2,7 @@
 <file path=ppt/presentation.xml><?xml version="1.0" encoding="utf-8"?>
 <p:presentation xmlns:a="http://schemas.openxmlformats.org/drawingml/2006/main" xmlns:r="http://schemas.openxmlformats.org/officeDocument/2006/relationships" xmlns:p="http://schemas.openxmlformats.org/presentationml/2006/main" saveSubsetFonts="1">
   <p:sldMasterIdLst>
-    <p:sldMasterId id="2147483665" r:id="rId1"/>
+    <p:sldMasterId id="2147483670" r:id="rId1"/>
   </p:sldMasterIdLst>
   <p:sldIdLst>
     <p:sldId id="256" r:id="rId2"/>
@@ -248,14 +248,14 @@
     </p:spTree>
     <p:extLst>
       <p:ext uri="{BB962C8B-B14F-4D97-AF65-F5344CB8AC3E}">
-        <p14:creationId xmlns:p14="http://schemas.microsoft.com/office/powerpoint/2010/main" val="1965558772"/>
+        <p14:creationId xmlns:p14="http://schemas.microsoft.com/office/powerpoint/2010/main" val="2499234397"/>
       </p:ext>
     </p:extLst>
   </p:cSld>
   <p:clrMapOvr>
     <a:masterClrMapping/>
   </p:clrMapOvr>
-  <p:transition spd="slow">
+  <p:transition>
     <p:push dir="u"/>
   </p:transition>
 </p:sldLayout>
@@ -632,14 +632,14 @@
     </p:spTree>
     <p:extLst>
       <p:ext uri="{BB962C8B-B14F-4D97-AF65-F5344CB8AC3E}">
-        <p14:creationId xmlns:p14="http://schemas.microsoft.com/office/powerpoint/2010/main" val="2465619061"/>
+        <p14:creationId xmlns:p14="http://schemas.microsoft.com/office/powerpoint/2010/main" val="2896512432"/>
       </p:ext>
     </p:extLst>
   </p:cSld>
   <p:clrMapOvr>
     <a:masterClrMapping/>
   </p:clrMapOvr>
-  <p:transition spd="slow">
+  <p:transition>
     <p:push dir="u"/>
   </p:transition>
 </p:sldLayout>
@@ -959,14 +959,14 @@
     </p:spTree>
     <p:extLst>
       <p:ext uri="{BB962C8B-B14F-4D97-AF65-F5344CB8AC3E}">
-        <p14:creationId xmlns:p14="http://schemas.microsoft.com/office/powerpoint/2010/main" val="245159988"/>
+        <p14:creationId xmlns:p14="http://schemas.microsoft.com/office/powerpoint/2010/main" val="1453599651"/>
       </p:ext>
     </p:extLst>
   </p:cSld>
   <p:clrMapOvr>
     <a:masterClrMapping/>
   </p:clrMapOvr>
-  <p:transition spd="slow">
+  <p:transition>
     <p:push dir="u"/>
   </p:transition>
 </p:sldLayout>
@@ -1258,14 +1258,14 @@
     </p:spTree>
     <p:extLst>
       <p:ext uri="{BB962C8B-B14F-4D97-AF65-F5344CB8AC3E}">
-        <p14:creationId xmlns:p14="http://schemas.microsoft.com/office/powerpoint/2010/main" val="1312939394"/>
+        <p14:creationId xmlns:p14="http://schemas.microsoft.com/office/powerpoint/2010/main" val="800855004"/>
       </p:ext>
     </p:extLst>
   </p:cSld>
   <p:clrMapOvr>
     <a:masterClrMapping/>
   </p:clrMapOvr>
-  <p:transition spd="slow">
+  <p:transition>
     <p:push dir="u"/>
   </p:transition>
 </p:sldLayout>
@@ -1491,18 +1491,18 @@
     </p:spTree>
     <p:extLst>
       <p:ext uri="{BB962C8B-B14F-4D97-AF65-F5344CB8AC3E}">
-        <p14:creationId xmlns:p14="http://schemas.microsoft.com/office/powerpoint/2010/main" val="3423212208"/>
+        <p14:creationId xmlns:p14="http://schemas.microsoft.com/office/powerpoint/2010/main" val="3656739240"/>
       </p:ext>
     </p:extLst>
   </p:cSld>
   <p:clrMap bg1="dk1" tx1="lt1" bg2="dk2" tx2="lt2" accent1="accent1" accent2="accent2" accent3="accent3" accent4="accent4" accent5="accent5" accent6="accent6" hlink="hlink" folHlink="folHlink"/>
   <p:sldLayoutIdLst>
-    <p:sldLayoutId id="2147483666" r:id="rId1"/>
-    <p:sldLayoutId id="2147483667" r:id="rId2"/>
-    <p:sldLayoutId id="2147483668" r:id="rId3"/>
-    <p:sldLayoutId id="2147483669" r:id="rId4"/>
+    <p:sldLayoutId id="2147483671" r:id="rId1"/>
+    <p:sldLayoutId id="2147483672" r:id="rId2"/>
+    <p:sldLayoutId id="2147483673" r:id="rId3"/>
+    <p:sldLayoutId id="2147483674" r:id="rId4"/>
   </p:sldLayoutIdLst>
-  <p:transition spd="slow">
+  <p:transition>
     <p:push dir="u"/>
   </p:transition>
   <p:txStyles>
@@ -1875,7 +1875,7 @@
   <p:clrMapOvr>
     <a:masterClrMapping/>
   </p:clrMapOvr>
-  <p:transition spd="slow">
+  <p:transition>
     <p:push dir="u"/>
   </p:transition>
 </p:sld>
@@ -4123,7 +4123,7 @@
   <p:clrMapOvr>
     <a:masterClrMapping/>
   </p:clrMapOvr>
-  <p:transition spd="slow">
+  <p:transition>
     <p:push dir="u"/>
   </p:transition>
 </p:sld>
@@ -4485,7 +4485,7 @@
   <p:clrMapOvr>
     <a:masterClrMapping/>
   </p:clrMapOvr>
-  <p:transition spd="slow">
+  <p:transition>
     <p:push dir="u"/>
   </p:transition>
 </p:sld>
@@ -5214,7 +5214,7 @@
   <p:clrMapOvr>
     <a:masterClrMapping/>
   </p:clrMapOvr>
-  <p:transition spd="slow">
+  <p:transition>
     <p:push dir="u"/>
   </p:transition>
 </p:sld>
@@ -7080,7 +7080,7 @@
   <p:clrMapOvr>
     <a:masterClrMapping/>
   </p:clrMapOvr>
-  <p:transition spd="slow">
+  <p:transition>
     <p:push dir="u"/>
   </p:transition>
 </p:sld>
@@ -8396,7 +8396,7 @@
   <p:clrMapOvr>
     <a:masterClrMapping/>
   </p:clrMapOvr>
-  <p:transition spd="slow">
+  <p:transition>
     <p:push dir="u"/>
   </p:transition>
 </p:sld>
@@ -9254,7 +9254,7 @@
   <p:clrMapOvr>
     <a:masterClrMapping/>
   </p:clrMapOvr>
-  <p:transition spd="slow">
+  <p:transition>
     <p:push dir="u"/>
   </p:transition>
 </p:sld>
@@ -10671,7 +10671,7 @@
   <p:clrMapOvr>
     <a:masterClrMapping/>
   </p:clrMapOvr>
-  <p:transition spd="slow">
+  <p:transition>
     <p:push dir="u"/>
   </p:transition>
 </p:sld>
@@ -12466,7 +12466,7 @@
   <p:clrMapOvr>
     <a:masterClrMapping/>
   </p:clrMapOvr>
-  <p:transition spd="slow">
+  <p:transition>
     <p:push dir="u"/>
   </p:transition>
 </p:sld>
@@ -12908,7 +12908,7 @@
   <p:clrMapOvr>
     <a:masterClrMapping/>
   </p:clrMapOvr>
-  <p:transition spd="slow">
+  <p:transition>
     <p:push dir="u"/>
   </p:transition>
 </p:sld>
@@ -13135,7 +13135,7 @@
   <a:extraClrSchemeLst/>
   <a:extLst>
     <a:ext uri="{05A4C25C-085E-4340-85A3-A5531E510DB2}">
-      <thm15:themeFamily xmlns:thm15="http://schemas.microsoft.com/office/thememl/2012/main" name="TYIC" id="{F8B8016E-470C-4FE5-A78C-33B2A9D17434}" vid="{BC6C4CDA-A093-4978-B969-B6482D48D481}"/>
+      <thm15:themeFamily xmlns:thm15="http://schemas.microsoft.com/office/thememl/2012/main" name="TYIC" id="{5F22F33A-EA50-4F22-9F2C-8A64A179567F}" vid="{3247D5A2-1B78-4AF4-9AA5-9AF4332DE771}"/>
     </a:ext>
   </a:extLst>
 </a:theme>
